--- a/Team_Presentation.pptx
+++ b/Team_Presentation.pptx
@@ -1,19 +1,28 @@
 
 <file path=ppt/presentation.xml><?xml version="1.0" encoding="utf-8"?>
-<p:presentation xmlns:a="http://schemas.openxmlformats.org/drawingml/2006/main" xmlns:r="http://schemas.openxmlformats.org/officeDocument/2006/relationships" xmlns:p="http://schemas.openxmlformats.org/presentationml/2006/main" saveSubsetFonts="1">
+<p:presentation xmlns:a="http://schemas.openxmlformats.org/drawingml/2006/main" xmlns:r="http://schemas.openxmlformats.org/officeDocument/2006/relationships" xmlns:p="http://schemas.openxmlformats.org/presentationml/2006/main" saveSubsetFonts="1" autoCompressPictures="0">
   <p:sldMasterIdLst>
     <p:sldMasterId id="2147483648" r:id="rId1"/>
   </p:sldMasterIdLst>
   <p:sldIdLst>
     <p:sldId id="256" r:id="rId2"/>
+    <p:sldId id="257" r:id="rId3"/>
+    <p:sldId id="259" r:id="rId4"/>
+    <p:sldId id="258" r:id="rId5"/>
+    <p:sldId id="260" r:id="rId6"/>
+    <p:sldId id="263" r:id="rId7"/>
+    <p:sldId id="264" r:id="rId8"/>
+    <p:sldId id="261" r:id="rId9"/>
+    <p:sldId id="266" r:id="rId10"/>
+    <p:sldId id="265" r:id="rId11"/>
   </p:sldIdLst>
-  <p:sldSz cx="12192000" cy="6858000"/>
+  <p:sldSz cx="9144000" cy="6858000" type="screen4x3"/>
   <p:notesSz cx="6858000" cy="9144000"/>
   <p:defaultTextStyle>
     <a:defPPr>
       <a:defRPr lang="en-US"/>
     </a:defPPr>
-    <a:lvl1pPr marL="0" algn="l" defTabSz="914400" rtl="0" eaLnBrk="1" latinLnBrk="0" hangingPunct="1">
+    <a:lvl1pPr marL="0" algn="l" defTabSz="457200" rtl="0" eaLnBrk="1" latinLnBrk="0" hangingPunct="1">
       <a:defRPr sz="1800" kern="1200">
         <a:solidFill>
           <a:schemeClr val="tx1"/>
@@ -23,7 +32,7 @@
         <a:cs typeface="+mn-cs"/>
       </a:defRPr>
     </a:lvl1pPr>
-    <a:lvl2pPr marL="457200" algn="l" defTabSz="914400" rtl="0" eaLnBrk="1" latinLnBrk="0" hangingPunct="1">
+    <a:lvl2pPr marL="457200" algn="l" defTabSz="457200" rtl="0" eaLnBrk="1" latinLnBrk="0" hangingPunct="1">
       <a:defRPr sz="1800" kern="1200">
         <a:solidFill>
           <a:schemeClr val="tx1"/>
@@ -33,7 +42,7 @@
         <a:cs typeface="+mn-cs"/>
       </a:defRPr>
     </a:lvl2pPr>
-    <a:lvl3pPr marL="914400" algn="l" defTabSz="914400" rtl="0" eaLnBrk="1" latinLnBrk="0" hangingPunct="1">
+    <a:lvl3pPr marL="914400" algn="l" defTabSz="457200" rtl="0" eaLnBrk="1" latinLnBrk="0" hangingPunct="1">
       <a:defRPr sz="1800" kern="1200">
         <a:solidFill>
           <a:schemeClr val="tx1"/>
@@ -43,7 +52,7 @@
         <a:cs typeface="+mn-cs"/>
       </a:defRPr>
     </a:lvl3pPr>
-    <a:lvl4pPr marL="1371600" algn="l" defTabSz="914400" rtl="0" eaLnBrk="1" latinLnBrk="0" hangingPunct="1">
+    <a:lvl4pPr marL="1371600" algn="l" defTabSz="457200" rtl="0" eaLnBrk="1" latinLnBrk="0" hangingPunct="1">
       <a:defRPr sz="1800" kern="1200">
         <a:solidFill>
           <a:schemeClr val="tx1"/>
@@ -53,7 +62,7 @@
         <a:cs typeface="+mn-cs"/>
       </a:defRPr>
     </a:lvl4pPr>
-    <a:lvl5pPr marL="1828800" algn="l" defTabSz="914400" rtl="0" eaLnBrk="1" latinLnBrk="0" hangingPunct="1">
+    <a:lvl5pPr marL="1828800" algn="l" defTabSz="457200" rtl="0" eaLnBrk="1" latinLnBrk="0" hangingPunct="1">
       <a:defRPr sz="1800" kern="1200">
         <a:solidFill>
           <a:schemeClr val="tx1"/>
@@ -63,7 +72,7 @@
         <a:cs typeface="+mn-cs"/>
       </a:defRPr>
     </a:lvl5pPr>
-    <a:lvl6pPr marL="2286000" algn="l" defTabSz="914400" rtl="0" eaLnBrk="1" latinLnBrk="0" hangingPunct="1">
+    <a:lvl6pPr marL="2286000" algn="l" defTabSz="457200" rtl="0" eaLnBrk="1" latinLnBrk="0" hangingPunct="1">
       <a:defRPr sz="1800" kern="1200">
         <a:solidFill>
           <a:schemeClr val="tx1"/>
@@ -73,7 +82,7 @@
         <a:cs typeface="+mn-cs"/>
       </a:defRPr>
     </a:lvl6pPr>
-    <a:lvl7pPr marL="2743200" algn="l" defTabSz="914400" rtl="0" eaLnBrk="1" latinLnBrk="0" hangingPunct="1">
+    <a:lvl7pPr marL="2743200" algn="l" defTabSz="457200" rtl="0" eaLnBrk="1" latinLnBrk="0" hangingPunct="1">
       <a:defRPr sz="1800" kern="1200">
         <a:solidFill>
           <a:schemeClr val="tx1"/>
@@ -83,7 +92,7 @@
         <a:cs typeface="+mn-cs"/>
       </a:defRPr>
     </a:lvl7pPr>
-    <a:lvl8pPr marL="3200400" algn="l" defTabSz="914400" rtl="0" eaLnBrk="1" latinLnBrk="0" hangingPunct="1">
+    <a:lvl8pPr marL="3200400" algn="l" defTabSz="457200" rtl="0" eaLnBrk="1" latinLnBrk="0" hangingPunct="1">
       <a:defRPr sz="1800" kern="1200">
         <a:solidFill>
           <a:schemeClr val="tx1"/>
@@ -93,7 +102,7 @@
         <a:cs typeface="+mn-cs"/>
       </a:defRPr>
     </a:lvl8pPr>
-    <a:lvl9pPr marL="3657600" algn="l" defTabSz="914400" rtl="0" eaLnBrk="1" latinLnBrk="0" hangingPunct="1">
+    <a:lvl9pPr marL="3657600" algn="l" defTabSz="457200" rtl="0" eaLnBrk="1" latinLnBrk="0" hangingPunct="1">
       <a:defRPr sz="1800" kern="1200">
         <a:solidFill>
           <a:schemeClr val="tx1"/>
@@ -104,6 +113,22 @@
       </a:defRPr>
     </a:lvl9pPr>
   </p:defaultTextStyle>
+  <p:extLst>
+    <p:ext uri="{EFAFB233-063F-42B5-8137-9DF3F51BA10A}">
+      <p15:sldGuideLst xmlns:p15="http://schemas.microsoft.com/office/powerpoint/2012/main">
+        <p15:guide id="1" orient="horz" pos="2160">
+          <p15:clr>
+            <a:srgbClr val="A4A3A4"/>
+          </p15:clr>
+        </p15:guide>
+        <p15:guide id="2" pos="2880">
+          <p15:clr>
+            <a:srgbClr val="A4A3A4"/>
+          </p15:clr>
+        </p15:guide>
+      </p15:sldGuideLst>
+    </p:ext>
+  </p:extLst>
 </p:presentation>
 </file>
 
@@ -126,13 +151,7 @@
       </p:grpSpPr>
       <p:sp>
         <p:nvSpPr>
-          <p:cNvPr id="2" name="Title 1">
-            <a:extLst>
-              <a:ext uri="{FF2B5EF4-FFF2-40B4-BE49-F238E27FC236}">
-                <a16:creationId xmlns:a16="http://schemas.microsoft.com/office/drawing/2014/main" id="{A1EEAED6-8390-48C0-9029-9EEF027932B7}"/>
-              </a:ext>
-            </a:extLst>
-          </p:cNvPr>
+          <p:cNvPr id="2" name="Title 1"/>
           <p:cNvSpPr>
             <a:spLocks noGrp="1"/>
           </p:cNvSpPr>
@@ -142,17 +161,13 @@
         </p:nvSpPr>
         <p:spPr>
           <a:xfrm>
-            <a:off x="1524000" y="1122363"/>
-            <a:ext cx="9144000" cy="2387600"/>
+            <a:off x="685800" y="2130425"/>
+            <a:ext cx="7772400" cy="1470025"/>
           </a:xfrm>
         </p:spPr>
         <p:txBody>
-          <a:bodyPr anchor="b"/>
-          <a:lstStyle>
-            <a:lvl1pPr algn="ctr">
-              <a:defRPr sz="6000"/>
-            </a:lvl1pPr>
-          </a:lstStyle>
+          <a:bodyPr/>
+          <a:lstStyle/>
           <a:p>
             <a:r>
               <a:rPr lang="en-US"/>
@@ -163,13 +178,7 @@
       </p:sp>
       <p:sp>
         <p:nvSpPr>
-          <p:cNvPr id="3" name="Subtitle 2">
-            <a:extLst>
-              <a:ext uri="{FF2B5EF4-FFF2-40B4-BE49-F238E27FC236}">
-                <a16:creationId xmlns:a16="http://schemas.microsoft.com/office/drawing/2014/main" id="{DACECC44-73B2-41E5-9FDA-212141CDA87E}"/>
-              </a:ext>
-            </a:extLst>
-          </p:cNvPr>
+          <p:cNvPr id="3" name="Subtitle 2"/>
           <p:cNvSpPr>
             <a:spLocks noGrp="1"/>
           </p:cNvSpPr>
@@ -179,8 +188,8 @@
         </p:nvSpPr>
         <p:spPr>
           <a:xfrm>
-            <a:off x="1524000" y="3602038"/>
-            <a:ext cx="9144000" cy="1655762"/>
+            <a:off x="1371600" y="3886200"/>
+            <a:ext cx="6400800" cy="1752600"/>
           </a:xfrm>
         </p:spPr>
         <p:txBody>
@@ -188,39 +197,93 @@
           <a:lstStyle>
             <a:lvl1pPr marL="0" indent="0" algn="ctr">
               <a:buNone/>
-              <a:defRPr sz="2400"/>
+              <a:defRPr>
+                <a:solidFill>
+                  <a:schemeClr val="tx1">
+                    <a:tint val="75000"/>
+                  </a:schemeClr>
+                </a:solidFill>
+              </a:defRPr>
             </a:lvl1pPr>
             <a:lvl2pPr marL="457200" indent="0" algn="ctr">
               <a:buNone/>
-              <a:defRPr sz="2000"/>
+              <a:defRPr>
+                <a:solidFill>
+                  <a:schemeClr val="tx1">
+                    <a:tint val="75000"/>
+                  </a:schemeClr>
+                </a:solidFill>
+              </a:defRPr>
             </a:lvl2pPr>
             <a:lvl3pPr marL="914400" indent="0" algn="ctr">
               <a:buNone/>
-              <a:defRPr sz="1800"/>
+              <a:defRPr>
+                <a:solidFill>
+                  <a:schemeClr val="tx1">
+                    <a:tint val="75000"/>
+                  </a:schemeClr>
+                </a:solidFill>
+              </a:defRPr>
             </a:lvl3pPr>
             <a:lvl4pPr marL="1371600" indent="0" algn="ctr">
               <a:buNone/>
-              <a:defRPr sz="1600"/>
+              <a:defRPr>
+                <a:solidFill>
+                  <a:schemeClr val="tx1">
+                    <a:tint val="75000"/>
+                  </a:schemeClr>
+                </a:solidFill>
+              </a:defRPr>
             </a:lvl4pPr>
             <a:lvl5pPr marL="1828800" indent="0" algn="ctr">
               <a:buNone/>
-              <a:defRPr sz="1600"/>
+              <a:defRPr>
+                <a:solidFill>
+                  <a:schemeClr val="tx1">
+                    <a:tint val="75000"/>
+                  </a:schemeClr>
+                </a:solidFill>
+              </a:defRPr>
             </a:lvl5pPr>
             <a:lvl6pPr marL="2286000" indent="0" algn="ctr">
               <a:buNone/>
-              <a:defRPr sz="1600"/>
+              <a:defRPr>
+                <a:solidFill>
+                  <a:schemeClr val="tx1">
+                    <a:tint val="75000"/>
+                  </a:schemeClr>
+                </a:solidFill>
+              </a:defRPr>
             </a:lvl6pPr>
             <a:lvl7pPr marL="2743200" indent="0" algn="ctr">
               <a:buNone/>
-              <a:defRPr sz="1600"/>
+              <a:defRPr>
+                <a:solidFill>
+                  <a:schemeClr val="tx1">
+                    <a:tint val="75000"/>
+                  </a:schemeClr>
+                </a:solidFill>
+              </a:defRPr>
             </a:lvl7pPr>
             <a:lvl8pPr marL="3200400" indent="0" algn="ctr">
               <a:buNone/>
-              <a:defRPr sz="1600"/>
+              <a:defRPr>
+                <a:solidFill>
+                  <a:schemeClr val="tx1">
+                    <a:tint val="75000"/>
+                  </a:schemeClr>
+                </a:solidFill>
+              </a:defRPr>
             </a:lvl8pPr>
             <a:lvl9pPr marL="3657600" indent="0" algn="ctr">
               <a:buNone/>
-              <a:defRPr sz="1600"/>
+              <a:defRPr>
+                <a:solidFill>
+                  <a:schemeClr val="tx1">
+                    <a:tint val="75000"/>
+                  </a:schemeClr>
+                </a:solidFill>
+              </a:defRPr>
             </a:lvl9pPr>
           </a:lstStyle>
           <a:p>
@@ -233,13 +296,7 @@
       </p:sp>
       <p:sp>
         <p:nvSpPr>
-          <p:cNvPr id="4" name="Date Placeholder 3">
-            <a:extLst>
-              <a:ext uri="{FF2B5EF4-FFF2-40B4-BE49-F238E27FC236}">
-                <a16:creationId xmlns:a16="http://schemas.microsoft.com/office/drawing/2014/main" id="{366C6F9F-5AD3-444E-8B7A-AC75DFF1F105}"/>
-              </a:ext>
-            </a:extLst>
-          </p:cNvPr>
+          <p:cNvPr id="4" name="Date Placeholder 3"/>
           <p:cNvSpPr>
             <a:spLocks noGrp="1"/>
           </p:cNvSpPr>
@@ -252,9 +309,9 @@
           <a:bodyPr/>
           <a:lstStyle/>
           <a:p>
-            <a:fld id="{30177E0A-94BE-4303-9BEF-391826189345}" type="datetimeFigureOut">
+            <a:fld id="{DF428B7F-D619-024D-B115-A85C5554A4BF}" type="datetimeFigureOut">
               <a:rPr lang="en-US" smtClean="0"/>
-              <a:t>11/23/2018</a:t>
+              <a:t>11/27/2018</a:t>
             </a:fld>
             <a:endParaRPr lang="en-US"/>
           </a:p>
@@ -262,13 +319,7 @@
       </p:sp>
       <p:sp>
         <p:nvSpPr>
-          <p:cNvPr id="5" name="Footer Placeholder 4">
-            <a:extLst>
-              <a:ext uri="{FF2B5EF4-FFF2-40B4-BE49-F238E27FC236}">
-                <a16:creationId xmlns:a16="http://schemas.microsoft.com/office/drawing/2014/main" id="{89BE9FB4-185B-4622-B10C-EECCC260AAE4}"/>
-              </a:ext>
-            </a:extLst>
-          </p:cNvPr>
+          <p:cNvPr id="5" name="Footer Placeholder 4"/>
           <p:cNvSpPr>
             <a:spLocks noGrp="1"/>
           </p:cNvSpPr>
@@ -287,13 +338,7 @@
       </p:sp>
       <p:sp>
         <p:nvSpPr>
-          <p:cNvPr id="6" name="Slide Number Placeholder 5">
-            <a:extLst>
-              <a:ext uri="{FF2B5EF4-FFF2-40B4-BE49-F238E27FC236}">
-                <a16:creationId xmlns:a16="http://schemas.microsoft.com/office/drawing/2014/main" id="{478F4F11-90FD-4E14-A9B8-13F0635DE42D}"/>
-              </a:ext>
-            </a:extLst>
-          </p:cNvPr>
+          <p:cNvPr id="6" name="Slide Number Placeholder 5"/>
           <p:cNvSpPr>
             <a:spLocks noGrp="1"/>
           </p:cNvSpPr>
@@ -306,7 +351,7 @@
           <a:bodyPr/>
           <a:lstStyle/>
           <a:p>
-            <a:fld id="{28C0110B-0C91-41B5-931D-C6FAD25D7ABE}" type="slidenum">
+            <a:fld id="{026D1680-6DF1-0C40-BBC9-E0C727109CE1}" type="slidenum">
               <a:rPr lang="en-US" smtClean="0"/>
               <a:t>‹#›</a:t>
             </a:fld>
@@ -317,7 +362,7 @@
     </p:spTree>
     <p:extLst>
       <p:ext uri="{BB962C8B-B14F-4D97-AF65-F5344CB8AC3E}">
-        <p14:creationId xmlns:p14="http://schemas.microsoft.com/office/powerpoint/2010/main" val="3554731450"/>
+        <p14:creationId xmlns:p14="http://schemas.microsoft.com/office/powerpoint/2010/main" val="2732622579"/>
       </p:ext>
     </p:extLst>
   </p:cSld>
@@ -346,13 +391,7 @@
       </p:grpSpPr>
       <p:sp>
         <p:nvSpPr>
-          <p:cNvPr id="2" name="Title 1">
-            <a:extLst>
-              <a:ext uri="{FF2B5EF4-FFF2-40B4-BE49-F238E27FC236}">
-                <a16:creationId xmlns:a16="http://schemas.microsoft.com/office/drawing/2014/main" id="{7B2B553C-5AA9-4863-90F8-DFDC04D1677C}"/>
-              </a:ext>
-            </a:extLst>
-          </p:cNvPr>
+          <p:cNvPr id="2" name="Title 1"/>
           <p:cNvSpPr>
             <a:spLocks noGrp="1"/>
           </p:cNvSpPr>
@@ -374,13 +413,7 @@
       </p:sp>
       <p:sp>
         <p:nvSpPr>
-          <p:cNvPr id="3" name="Vertical Text Placeholder 2">
-            <a:extLst>
-              <a:ext uri="{FF2B5EF4-FFF2-40B4-BE49-F238E27FC236}">
-                <a16:creationId xmlns:a16="http://schemas.microsoft.com/office/drawing/2014/main" id="{3D43CED4-6200-4D53-BCEB-63E1CBE85590}"/>
-              </a:ext>
-            </a:extLst>
-          </p:cNvPr>
+          <p:cNvPr id="3" name="Vertical Text Placeholder 2"/>
           <p:cNvSpPr>
             <a:spLocks noGrp="1"/>
           </p:cNvSpPr>
@@ -396,7 +429,7 @@
             <a:pPr lvl="0"/>
             <a:r>
               <a:rPr lang="en-US"/>
-              <a:t>Edit Master text styles</a:t>
+              <a:t>Click to edit Master text styles</a:t>
             </a:r>
           </a:p>
           <a:p>
@@ -431,13 +464,7 @@
       </p:sp>
       <p:sp>
         <p:nvSpPr>
-          <p:cNvPr id="4" name="Date Placeholder 3">
-            <a:extLst>
-              <a:ext uri="{FF2B5EF4-FFF2-40B4-BE49-F238E27FC236}">
-                <a16:creationId xmlns:a16="http://schemas.microsoft.com/office/drawing/2014/main" id="{995CF1D1-FBF6-46C2-9DF9-43E42ACDF1BC}"/>
-              </a:ext>
-            </a:extLst>
-          </p:cNvPr>
+          <p:cNvPr id="4" name="Date Placeholder 3"/>
           <p:cNvSpPr>
             <a:spLocks noGrp="1"/>
           </p:cNvSpPr>
@@ -450,9 +477,9 @@
           <a:bodyPr/>
           <a:lstStyle/>
           <a:p>
-            <a:fld id="{30177E0A-94BE-4303-9BEF-391826189345}" type="datetimeFigureOut">
+            <a:fld id="{DF428B7F-D619-024D-B115-A85C5554A4BF}" type="datetimeFigureOut">
               <a:rPr lang="en-US" smtClean="0"/>
-              <a:t>11/23/2018</a:t>
+              <a:t>11/27/2018</a:t>
             </a:fld>
             <a:endParaRPr lang="en-US"/>
           </a:p>
@@ -460,13 +487,7 @@
       </p:sp>
       <p:sp>
         <p:nvSpPr>
-          <p:cNvPr id="5" name="Footer Placeholder 4">
-            <a:extLst>
-              <a:ext uri="{FF2B5EF4-FFF2-40B4-BE49-F238E27FC236}">
-                <a16:creationId xmlns:a16="http://schemas.microsoft.com/office/drawing/2014/main" id="{360B2330-A5B2-4635-BEC6-2ABF19959567}"/>
-              </a:ext>
-            </a:extLst>
-          </p:cNvPr>
+          <p:cNvPr id="5" name="Footer Placeholder 4"/>
           <p:cNvSpPr>
             <a:spLocks noGrp="1"/>
           </p:cNvSpPr>
@@ -485,13 +506,7 @@
       </p:sp>
       <p:sp>
         <p:nvSpPr>
-          <p:cNvPr id="6" name="Slide Number Placeholder 5">
-            <a:extLst>
-              <a:ext uri="{FF2B5EF4-FFF2-40B4-BE49-F238E27FC236}">
-                <a16:creationId xmlns:a16="http://schemas.microsoft.com/office/drawing/2014/main" id="{DF89CE17-4BC1-41B8-BE6A-F25745A8EC25}"/>
-              </a:ext>
-            </a:extLst>
-          </p:cNvPr>
+          <p:cNvPr id="6" name="Slide Number Placeholder 5"/>
           <p:cNvSpPr>
             <a:spLocks noGrp="1"/>
           </p:cNvSpPr>
@@ -504,7 +519,7 @@
           <a:bodyPr/>
           <a:lstStyle/>
           <a:p>
-            <a:fld id="{28C0110B-0C91-41B5-931D-C6FAD25D7ABE}" type="slidenum">
+            <a:fld id="{026D1680-6DF1-0C40-BBC9-E0C727109CE1}" type="slidenum">
               <a:rPr lang="en-US" smtClean="0"/>
               <a:t>‹#›</a:t>
             </a:fld>
@@ -515,7 +530,7 @@
     </p:spTree>
     <p:extLst>
       <p:ext uri="{BB962C8B-B14F-4D97-AF65-F5344CB8AC3E}">
-        <p14:creationId xmlns:p14="http://schemas.microsoft.com/office/powerpoint/2010/main" val="237012678"/>
+        <p14:creationId xmlns:p14="http://schemas.microsoft.com/office/powerpoint/2010/main" val="318239422"/>
       </p:ext>
     </p:extLst>
   </p:cSld>
@@ -544,13 +559,7 @@
       </p:grpSpPr>
       <p:sp>
         <p:nvSpPr>
-          <p:cNvPr id="2" name="Vertical Title 1">
-            <a:extLst>
-              <a:ext uri="{FF2B5EF4-FFF2-40B4-BE49-F238E27FC236}">
-                <a16:creationId xmlns:a16="http://schemas.microsoft.com/office/drawing/2014/main" id="{EC5541B0-E256-49A5-B954-F8F74A019962}"/>
-              </a:ext>
-            </a:extLst>
-          </p:cNvPr>
+          <p:cNvPr id="2" name="Vertical Title 1"/>
           <p:cNvSpPr>
             <a:spLocks noGrp="1"/>
           </p:cNvSpPr>
@@ -560,8 +569,8 @@
         </p:nvSpPr>
         <p:spPr>
           <a:xfrm>
-            <a:off x="8724900" y="365125"/>
-            <a:ext cx="2628900" cy="5811838"/>
+            <a:off x="6629400" y="274638"/>
+            <a:ext cx="2057400" cy="5851525"/>
           </a:xfrm>
         </p:spPr>
         <p:txBody>
@@ -577,13 +586,7 @@
       </p:sp>
       <p:sp>
         <p:nvSpPr>
-          <p:cNvPr id="3" name="Vertical Text Placeholder 2">
-            <a:extLst>
-              <a:ext uri="{FF2B5EF4-FFF2-40B4-BE49-F238E27FC236}">
-                <a16:creationId xmlns:a16="http://schemas.microsoft.com/office/drawing/2014/main" id="{75A7C9AB-729F-43A3-928A-E72D123A509D}"/>
-              </a:ext>
-            </a:extLst>
-          </p:cNvPr>
+          <p:cNvPr id="3" name="Vertical Text Placeholder 2"/>
           <p:cNvSpPr>
             <a:spLocks noGrp="1"/>
           </p:cNvSpPr>
@@ -593,8 +596,8 @@
         </p:nvSpPr>
         <p:spPr>
           <a:xfrm>
-            <a:off x="838200" y="365125"/>
-            <a:ext cx="7734300" cy="5811838"/>
+            <a:off x="457200" y="274638"/>
+            <a:ext cx="6019800" cy="5851525"/>
           </a:xfrm>
         </p:spPr>
         <p:txBody>
@@ -604,7 +607,7 @@
             <a:pPr lvl="0"/>
             <a:r>
               <a:rPr lang="en-US"/>
-              <a:t>Edit Master text styles</a:t>
+              <a:t>Click to edit Master text styles</a:t>
             </a:r>
           </a:p>
           <a:p>
@@ -639,13 +642,7 @@
       </p:sp>
       <p:sp>
         <p:nvSpPr>
-          <p:cNvPr id="4" name="Date Placeholder 3">
-            <a:extLst>
-              <a:ext uri="{FF2B5EF4-FFF2-40B4-BE49-F238E27FC236}">
-                <a16:creationId xmlns:a16="http://schemas.microsoft.com/office/drawing/2014/main" id="{C58E67CE-9BA5-48C6-B405-CE5B9218118E}"/>
-              </a:ext>
-            </a:extLst>
-          </p:cNvPr>
+          <p:cNvPr id="4" name="Date Placeholder 3"/>
           <p:cNvSpPr>
             <a:spLocks noGrp="1"/>
           </p:cNvSpPr>
@@ -658,9 +655,9 @@
           <a:bodyPr/>
           <a:lstStyle/>
           <a:p>
-            <a:fld id="{30177E0A-94BE-4303-9BEF-391826189345}" type="datetimeFigureOut">
+            <a:fld id="{DF428B7F-D619-024D-B115-A85C5554A4BF}" type="datetimeFigureOut">
               <a:rPr lang="en-US" smtClean="0"/>
-              <a:t>11/23/2018</a:t>
+              <a:t>11/27/2018</a:t>
             </a:fld>
             <a:endParaRPr lang="en-US"/>
           </a:p>
@@ -668,13 +665,7 @@
       </p:sp>
       <p:sp>
         <p:nvSpPr>
-          <p:cNvPr id="5" name="Footer Placeholder 4">
-            <a:extLst>
-              <a:ext uri="{FF2B5EF4-FFF2-40B4-BE49-F238E27FC236}">
-                <a16:creationId xmlns:a16="http://schemas.microsoft.com/office/drawing/2014/main" id="{70DB8716-9195-4C93-9C49-C7015A4CEAF0}"/>
-              </a:ext>
-            </a:extLst>
-          </p:cNvPr>
+          <p:cNvPr id="5" name="Footer Placeholder 4"/>
           <p:cNvSpPr>
             <a:spLocks noGrp="1"/>
           </p:cNvSpPr>
@@ -693,13 +684,7 @@
       </p:sp>
       <p:sp>
         <p:nvSpPr>
-          <p:cNvPr id="6" name="Slide Number Placeholder 5">
-            <a:extLst>
-              <a:ext uri="{FF2B5EF4-FFF2-40B4-BE49-F238E27FC236}">
-                <a16:creationId xmlns:a16="http://schemas.microsoft.com/office/drawing/2014/main" id="{82AB5928-D964-4B4B-A44A-064C94DF3B73}"/>
-              </a:ext>
-            </a:extLst>
-          </p:cNvPr>
+          <p:cNvPr id="6" name="Slide Number Placeholder 5"/>
           <p:cNvSpPr>
             <a:spLocks noGrp="1"/>
           </p:cNvSpPr>
@@ -712,7 +697,7 @@
           <a:bodyPr/>
           <a:lstStyle/>
           <a:p>
-            <a:fld id="{28C0110B-0C91-41B5-931D-C6FAD25D7ABE}" type="slidenum">
+            <a:fld id="{026D1680-6DF1-0C40-BBC9-E0C727109CE1}" type="slidenum">
               <a:rPr lang="en-US" smtClean="0"/>
               <a:t>‹#›</a:t>
             </a:fld>
@@ -723,7 +708,7 @@
     </p:spTree>
     <p:extLst>
       <p:ext uri="{BB962C8B-B14F-4D97-AF65-F5344CB8AC3E}">
-        <p14:creationId xmlns:p14="http://schemas.microsoft.com/office/powerpoint/2010/main" val="2260286426"/>
+        <p14:creationId xmlns:p14="http://schemas.microsoft.com/office/powerpoint/2010/main" val="230280736"/>
       </p:ext>
     </p:extLst>
   </p:cSld>
@@ -752,13 +737,7 @@
       </p:grpSpPr>
       <p:sp>
         <p:nvSpPr>
-          <p:cNvPr id="2" name="Title 1">
-            <a:extLst>
-              <a:ext uri="{FF2B5EF4-FFF2-40B4-BE49-F238E27FC236}">
-                <a16:creationId xmlns:a16="http://schemas.microsoft.com/office/drawing/2014/main" id="{F3EEE963-1F2B-4F8A-8816-04D13D2BAA60}"/>
-              </a:ext>
-            </a:extLst>
-          </p:cNvPr>
+          <p:cNvPr id="2" name="Title 1"/>
           <p:cNvSpPr>
             <a:spLocks noGrp="1"/>
           </p:cNvSpPr>
@@ -780,13 +759,7 @@
       </p:sp>
       <p:sp>
         <p:nvSpPr>
-          <p:cNvPr id="3" name="Content Placeholder 2">
-            <a:extLst>
-              <a:ext uri="{FF2B5EF4-FFF2-40B4-BE49-F238E27FC236}">
-                <a16:creationId xmlns:a16="http://schemas.microsoft.com/office/drawing/2014/main" id="{B9FB19B0-DA4B-4337-BF0A-3A6C830B7E73}"/>
-              </a:ext>
-            </a:extLst>
-          </p:cNvPr>
+          <p:cNvPr id="3" name="Content Placeholder 2"/>
           <p:cNvSpPr>
             <a:spLocks noGrp="1"/>
           </p:cNvSpPr>
@@ -802,7 +775,7 @@
             <a:pPr lvl="0"/>
             <a:r>
               <a:rPr lang="en-US"/>
-              <a:t>Edit Master text styles</a:t>
+              <a:t>Click to edit Master text styles</a:t>
             </a:r>
           </a:p>
           <a:p>
@@ -837,13 +810,7 @@
       </p:sp>
       <p:sp>
         <p:nvSpPr>
-          <p:cNvPr id="4" name="Date Placeholder 3">
-            <a:extLst>
-              <a:ext uri="{FF2B5EF4-FFF2-40B4-BE49-F238E27FC236}">
-                <a16:creationId xmlns:a16="http://schemas.microsoft.com/office/drawing/2014/main" id="{FC01F109-F85C-4022-873C-15BF7B0AC63C}"/>
-              </a:ext>
-            </a:extLst>
-          </p:cNvPr>
+          <p:cNvPr id="4" name="Date Placeholder 3"/>
           <p:cNvSpPr>
             <a:spLocks noGrp="1"/>
           </p:cNvSpPr>
@@ -856,9 +823,9 @@
           <a:bodyPr/>
           <a:lstStyle/>
           <a:p>
-            <a:fld id="{30177E0A-94BE-4303-9BEF-391826189345}" type="datetimeFigureOut">
+            <a:fld id="{DF428B7F-D619-024D-B115-A85C5554A4BF}" type="datetimeFigureOut">
               <a:rPr lang="en-US" smtClean="0"/>
-              <a:t>11/23/2018</a:t>
+              <a:t>11/27/2018</a:t>
             </a:fld>
             <a:endParaRPr lang="en-US"/>
           </a:p>
@@ -866,13 +833,7 @@
       </p:sp>
       <p:sp>
         <p:nvSpPr>
-          <p:cNvPr id="5" name="Footer Placeholder 4">
-            <a:extLst>
-              <a:ext uri="{FF2B5EF4-FFF2-40B4-BE49-F238E27FC236}">
-                <a16:creationId xmlns:a16="http://schemas.microsoft.com/office/drawing/2014/main" id="{D25ADAA1-64CD-4C58-8236-365576BF1F66}"/>
-              </a:ext>
-            </a:extLst>
-          </p:cNvPr>
+          <p:cNvPr id="5" name="Footer Placeholder 4"/>
           <p:cNvSpPr>
             <a:spLocks noGrp="1"/>
           </p:cNvSpPr>
@@ -891,13 +852,7 @@
       </p:sp>
       <p:sp>
         <p:nvSpPr>
-          <p:cNvPr id="6" name="Slide Number Placeholder 5">
-            <a:extLst>
-              <a:ext uri="{FF2B5EF4-FFF2-40B4-BE49-F238E27FC236}">
-                <a16:creationId xmlns:a16="http://schemas.microsoft.com/office/drawing/2014/main" id="{5C8513B5-D91E-4884-BD2D-943E095946A1}"/>
-              </a:ext>
-            </a:extLst>
-          </p:cNvPr>
+          <p:cNvPr id="6" name="Slide Number Placeholder 5"/>
           <p:cNvSpPr>
             <a:spLocks noGrp="1"/>
           </p:cNvSpPr>
@@ -910,7 +865,7 @@
           <a:bodyPr/>
           <a:lstStyle/>
           <a:p>
-            <a:fld id="{28C0110B-0C91-41B5-931D-C6FAD25D7ABE}" type="slidenum">
+            <a:fld id="{026D1680-6DF1-0C40-BBC9-E0C727109CE1}" type="slidenum">
               <a:rPr lang="en-US" smtClean="0"/>
               <a:t>‹#›</a:t>
             </a:fld>
@@ -921,7 +876,7 @@
     </p:spTree>
     <p:extLst>
       <p:ext uri="{BB962C8B-B14F-4D97-AF65-F5344CB8AC3E}">
-        <p14:creationId xmlns:p14="http://schemas.microsoft.com/office/powerpoint/2010/main" val="2812448856"/>
+        <p14:creationId xmlns:p14="http://schemas.microsoft.com/office/powerpoint/2010/main" val="1408707952"/>
       </p:ext>
     </p:extLst>
   </p:cSld>
@@ -950,13 +905,7 @@
       </p:grpSpPr>
       <p:sp>
         <p:nvSpPr>
-          <p:cNvPr id="2" name="Title 1">
-            <a:extLst>
-              <a:ext uri="{FF2B5EF4-FFF2-40B4-BE49-F238E27FC236}">
-                <a16:creationId xmlns:a16="http://schemas.microsoft.com/office/drawing/2014/main" id="{00AA86E6-9F44-4553-B0BD-B6DE0297049B}"/>
-              </a:ext>
-            </a:extLst>
-          </p:cNvPr>
+          <p:cNvPr id="2" name="Title 1"/>
           <p:cNvSpPr>
             <a:spLocks noGrp="1"/>
           </p:cNvSpPr>
@@ -966,53 +915,47 @@
         </p:nvSpPr>
         <p:spPr>
           <a:xfrm>
-            <a:off x="831850" y="1709738"/>
-            <a:ext cx="10515600" cy="2852737"/>
+            <a:off x="722313" y="4406900"/>
+            <a:ext cx="7772400" cy="1362075"/>
           </a:xfrm>
         </p:spPr>
         <p:txBody>
+          <a:bodyPr anchor="t"/>
+          <a:lstStyle>
+            <a:lvl1pPr algn="l">
+              <a:defRPr sz="4000" b="1" cap="all"/>
+            </a:lvl1pPr>
+          </a:lstStyle>
+          <a:p>
+            <a:r>
+              <a:rPr lang="en-US"/>
+              <a:t>Click to edit Master title style</a:t>
+            </a:r>
+          </a:p>
+        </p:txBody>
+      </p:sp>
+      <p:sp>
+        <p:nvSpPr>
+          <p:cNvPr id="3" name="Text Placeholder 2"/>
+          <p:cNvSpPr>
+            <a:spLocks noGrp="1"/>
+          </p:cNvSpPr>
+          <p:nvPr>
+            <p:ph type="body" idx="1"/>
+          </p:nvPr>
+        </p:nvSpPr>
+        <p:spPr>
+          <a:xfrm>
+            <a:off x="722313" y="2906713"/>
+            <a:ext cx="7772400" cy="1500187"/>
+          </a:xfrm>
+        </p:spPr>
+        <p:txBody>
           <a:bodyPr anchor="b"/>
           <a:lstStyle>
-            <a:lvl1pPr>
-              <a:defRPr sz="6000"/>
-            </a:lvl1pPr>
-          </a:lstStyle>
-          <a:p>
-            <a:r>
-              <a:rPr lang="en-US"/>
-              <a:t>Click to edit Master title style</a:t>
-            </a:r>
-          </a:p>
-        </p:txBody>
-      </p:sp>
-      <p:sp>
-        <p:nvSpPr>
-          <p:cNvPr id="3" name="Text Placeholder 2">
-            <a:extLst>
-              <a:ext uri="{FF2B5EF4-FFF2-40B4-BE49-F238E27FC236}">
-                <a16:creationId xmlns:a16="http://schemas.microsoft.com/office/drawing/2014/main" id="{61E864E7-DA0C-4E86-B7FE-53B71DEB90F5}"/>
-              </a:ext>
-            </a:extLst>
-          </p:cNvPr>
-          <p:cNvSpPr>
-            <a:spLocks noGrp="1"/>
-          </p:cNvSpPr>
-          <p:nvPr>
-            <p:ph type="body" idx="1"/>
-          </p:nvPr>
-        </p:nvSpPr>
-        <p:spPr>
-          <a:xfrm>
-            <a:off x="831850" y="4589463"/>
-            <a:ext cx="10515600" cy="1500187"/>
-          </a:xfrm>
-        </p:spPr>
-        <p:txBody>
-          <a:bodyPr/>
-          <a:lstStyle>
             <a:lvl1pPr marL="0" indent="0">
               <a:buNone/>
-              <a:defRPr sz="2400">
+              <a:defRPr sz="2000">
                 <a:solidFill>
                   <a:schemeClr val="tx1">
                     <a:tint val="75000"/>
@@ -1022,7 +965,7 @@
             </a:lvl1pPr>
             <a:lvl2pPr marL="457200" indent="0">
               <a:buNone/>
-              <a:defRPr sz="2000">
+              <a:defRPr sz="1800">
                 <a:solidFill>
                   <a:schemeClr val="tx1">
                     <a:tint val="75000"/>
@@ -1032,7 +975,7 @@
             </a:lvl2pPr>
             <a:lvl3pPr marL="914400" indent="0">
               <a:buNone/>
-              <a:defRPr sz="1800">
+              <a:defRPr sz="1600">
                 <a:solidFill>
                   <a:schemeClr val="tx1">
                     <a:tint val="75000"/>
@@ -1042,7 +985,7 @@
             </a:lvl3pPr>
             <a:lvl4pPr marL="1371600" indent="0">
               <a:buNone/>
-              <a:defRPr sz="1600">
+              <a:defRPr sz="1400">
                 <a:solidFill>
                   <a:schemeClr val="tx1">
                     <a:tint val="75000"/>
@@ -1052,7 +995,7 @@
             </a:lvl4pPr>
             <a:lvl5pPr marL="1828800" indent="0">
               <a:buNone/>
-              <a:defRPr sz="1600">
+              <a:defRPr sz="1400">
                 <a:solidFill>
                   <a:schemeClr val="tx1">
                     <a:tint val="75000"/>
@@ -1062,7 +1005,7 @@
             </a:lvl5pPr>
             <a:lvl6pPr marL="2286000" indent="0">
               <a:buNone/>
-              <a:defRPr sz="1600">
+              <a:defRPr sz="1400">
                 <a:solidFill>
                   <a:schemeClr val="tx1">
                     <a:tint val="75000"/>
@@ -1072,7 +1015,7 @@
             </a:lvl6pPr>
             <a:lvl7pPr marL="2743200" indent="0">
               <a:buNone/>
-              <a:defRPr sz="1600">
+              <a:defRPr sz="1400">
                 <a:solidFill>
                   <a:schemeClr val="tx1">
                     <a:tint val="75000"/>
@@ -1082,7 +1025,7 @@
             </a:lvl7pPr>
             <a:lvl8pPr marL="3200400" indent="0">
               <a:buNone/>
-              <a:defRPr sz="1600">
+              <a:defRPr sz="1400">
                 <a:solidFill>
                   <a:schemeClr val="tx1">
                     <a:tint val="75000"/>
@@ -1092,7 +1035,7 @@
             </a:lvl8pPr>
             <a:lvl9pPr marL="3657600" indent="0">
               <a:buNone/>
-              <a:defRPr sz="1600">
+              <a:defRPr sz="1400">
                 <a:solidFill>
                   <a:schemeClr val="tx1">
                     <a:tint val="75000"/>
@@ -1105,20 +1048,14 @@
             <a:pPr lvl="0"/>
             <a:r>
               <a:rPr lang="en-US"/>
-              <a:t>Edit Master text styles</a:t>
-            </a:r>
-          </a:p>
-        </p:txBody>
-      </p:sp>
-      <p:sp>
-        <p:nvSpPr>
-          <p:cNvPr id="4" name="Date Placeholder 3">
-            <a:extLst>
-              <a:ext uri="{FF2B5EF4-FFF2-40B4-BE49-F238E27FC236}">
-                <a16:creationId xmlns:a16="http://schemas.microsoft.com/office/drawing/2014/main" id="{D033FB32-E388-4E20-8FA0-67C6DE032CCF}"/>
-              </a:ext>
-            </a:extLst>
-          </p:cNvPr>
+              <a:t>Click to edit Master text styles</a:t>
+            </a:r>
+          </a:p>
+        </p:txBody>
+      </p:sp>
+      <p:sp>
+        <p:nvSpPr>
+          <p:cNvPr id="4" name="Date Placeholder 3"/>
           <p:cNvSpPr>
             <a:spLocks noGrp="1"/>
           </p:cNvSpPr>
@@ -1131,9 +1068,9 @@
           <a:bodyPr/>
           <a:lstStyle/>
           <a:p>
-            <a:fld id="{30177E0A-94BE-4303-9BEF-391826189345}" type="datetimeFigureOut">
+            <a:fld id="{DF428B7F-D619-024D-B115-A85C5554A4BF}" type="datetimeFigureOut">
               <a:rPr lang="en-US" smtClean="0"/>
-              <a:t>11/23/2018</a:t>
+              <a:t>11/27/2018</a:t>
             </a:fld>
             <a:endParaRPr lang="en-US"/>
           </a:p>
@@ -1141,13 +1078,7 @@
       </p:sp>
       <p:sp>
         <p:nvSpPr>
-          <p:cNvPr id="5" name="Footer Placeholder 4">
-            <a:extLst>
-              <a:ext uri="{FF2B5EF4-FFF2-40B4-BE49-F238E27FC236}">
-                <a16:creationId xmlns:a16="http://schemas.microsoft.com/office/drawing/2014/main" id="{3D1AF2DC-D61F-4715-9E22-8570534A052F}"/>
-              </a:ext>
-            </a:extLst>
-          </p:cNvPr>
+          <p:cNvPr id="5" name="Footer Placeholder 4"/>
           <p:cNvSpPr>
             <a:spLocks noGrp="1"/>
           </p:cNvSpPr>
@@ -1166,13 +1097,7 @@
       </p:sp>
       <p:sp>
         <p:nvSpPr>
-          <p:cNvPr id="6" name="Slide Number Placeholder 5">
-            <a:extLst>
-              <a:ext uri="{FF2B5EF4-FFF2-40B4-BE49-F238E27FC236}">
-                <a16:creationId xmlns:a16="http://schemas.microsoft.com/office/drawing/2014/main" id="{9C7CEEBE-98EA-478C-B306-9079BE764913}"/>
-              </a:ext>
-            </a:extLst>
-          </p:cNvPr>
+          <p:cNvPr id="6" name="Slide Number Placeholder 5"/>
           <p:cNvSpPr>
             <a:spLocks noGrp="1"/>
           </p:cNvSpPr>
@@ -1185,7 +1110,7 @@
           <a:bodyPr/>
           <a:lstStyle/>
           <a:p>
-            <a:fld id="{28C0110B-0C91-41B5-931D-C6FAD25D7ABE}" type="slidenum">
+            <a:fld id="{026D1680-6DF1-0C40-BBC9-E0C727109CE1}" type="slidenum">
               <a:rPr lang="en-US" smtClean="0"/>
               <a:t>‹#›</a:t>
             </a:fld>
@@ -1196,7 +1121,7 @@
     </p:spTree>
     <p:extLst>
       <p:ext uri="{BB962C8B-B14F-4D97-AF65-F5344CB8AC3E}">
-        <p14:creationId xmlns:p14="http://schemas.microsoft.com/office/powerpoint/2010/main" val="3756109122"/>
+        <p14:creationId xmlns:p14="http://schemas.microsoft.com/office/powerpoint/2010/main" val="1373049884"/>
       </p:ext>
     </p:extLst>
   </p:cSld>
@@ -1225,13 +1150,7 @@
       </p:grpSpPr>
       <p:sp>
         <p:nvSpPr>
-          <p:cNvPr id="2" name="Title 1">
-            <a:extLst>
-              <a:ext uri="{FF2B5EF4-FFF2-40B4-BE49-F238E27FC236}">
-                <a16:creationId xmlns:a16="http://schemas.microsoft.com/office/drawing/2014/main" id="{D7BCCA29-D917-44E3-8BDB-2C69637CD538}"/>
-              </a:ext>
-            </a:extLst>
-          </p:cNvPr>
+          <p:cNvPr id="2" name="Title 1"/>
           <p:cNvSpPr>
             <a:spLocks noGrp="1"/>
           </p:cNvSpPr>
@@ -1253,13 +1172,7 @@
       </p:sp>
       <p:sp>
         <p:nvSpPr>
-          <p:cNvPr id="3" name="Content Placeholder 2">
-            <a:extLst>
-              <a:ext uri="{FF2B5EF4-FFF2-40B4-BE49-F238E27FC236}">
-                <a16:creationId xmlns:a16="http://schemas.microsoft.com/office/drawing/2014/main" id="{A327203B-75B5-4945-B0FF-4EF857A96262}"/>
-              </a:ext>
-            </a:extLst>
-          </p:cNvPr>
+          <p:cNvPr id="3" name="Content Placeholder 2"/>
           <p:cNvSpPr>
             <a:spLocks noGrp="1"/>
           </p:cNvSpPr>
@@ -1269,18 +1182,46 @@
         </p:nvSpPr>
         <p:spPr>
           <a:xfrm>
-            <a:off x="838200" y="1825625"/>
-            <a:ext cx="5181600" cy="4351338"/>
+            <a:off x="457200" y="1600200"/>
+            <a:ext cx="4038600" cy="4525963"/>
           </a:xfrm>
         </p:spPr>
         <p:txBody>
           <a:bodyPr/>
-          <a:lstStyle/>
+          <a:lstStyle>
+            <a:lvl1pPr>
+              <a:defRPr sz="2800"/>
+            </a:lvl1pPr>
+            <a:lvl2pPr>
+              <a:defRPr sz="2400"/>
+            </a:lvl2pPr>
+            <a:lvl3pPr>
+              <a:defRPr sz="2000"/>
+            </a:lvl3pPr>
+            <a:lvl4pPr>
+              <a:defRPr sz="1800"/>
+            </a:lvl4pPr>
+            <a:lvl5pPr>
+              <a:defRPr sz="1800"/>
+            </a:lvl5pPr>
+            <a:lvl6pPr>
+              <a:defRPr sz="1800"/>
+            </a:lvl6pPr>
+            <a:lvl7pPr>
+              <a:defRPr sz="1800"/>
+            </a:lvl7pPr>
+            <a:lvl8pPr>
+              <a:defRPr sz="1800"/>
+            </a:lvl8pPr>
+            <a:lvl9pPr>
+              <a:defRPr sz="1800"/>
+            </a:lvl9pPr>
+          </a:lstStyle>
           <a:p>
             <a:pPr lvl="0"/>
             <a:r>
               <a:rPr lang="en-US"/>
-              <a:t>Edit Master text styles</a:t>
+              <a:t>Click to edit Master text styles</a:t>
             </a:r>
           </a:p>
           <a:p>
@@ -1315,13 +1256,7 @@
       </p:sp>
       <p:sp>
         <p:nvSpPr>
-          <p:cNvPr id="4" name="Content Placeholder 3">
-            <a:extLst>
-              <a:ext uri="{FF2B5EF4-FFF2-40B4-BE49-F238E27FC236}">
-                <a16:creationId xmlns:a16="http://schemas.microsoft.com/office/drawing/2014/main" id="{F8FD2CA1-DAF0-484B-9427-488B57C14BF5}"/>
-              </a:ext>
-            </a:extLst>
-          </p:cNvPr>
+          <p:cNvPr id="4" name="Content Placeholder 3"/>
           <p:cNvSpPr>
             <a:spLocks noGrp="1"/>
           </p:cNvSpPr>
@@ -1331,18 +1266,46 @@
         </p:nvSpPr>
         <p:spPr>
           <a:xfrm>
-            <a:off x="6172200" y="1825625"/>
-            <a:ext cx="5181600" cy="4351338"/>
+            <a:off x="4648200" y="1600200"/>
+            <a:ext cx="4038600" cy="4525963"/>
           </a:xfrm>
         </p:spPr>
         <p:txBody>
           <a:bodyPr/>
-          <a:lstStyle/>
+          <a:lstStyle>
+            <a:lvl1pPr>
+              <a:defRPr sz="2800"/>
+            </a:lvl1pPr>
+            <a:lvl2pPr>
+              <a:defRPr sz="2400"/>
+            </a:lvl2pPr>
+            <a:lvl3pPr>
+              <a:defRPr sz="2000"/>
+            </a:lvl3pPr>
+            <a:lvl4pPr>
+              <a:defRPr sz="1800"/>
+            </a:lvl4pPr>
+            <a:lvl5pPr>
+              <a:defRPr sz="1800"/>
+            </a:lvl5pPr>
+            <a:lvl6pPr>
+              <a:defRPr sz="1800"/>
+            </a:lvl6pPr>
+            <a:lvl7pPr>
+              <a:defRPr sz="1800"/>
+            </a:lvl7pPr>
+            <a:lvl8pPr>
+              <a:defRPr sz="1800"/>
+            </a:lvl8pPr>
+            <a:lvl9pPr>
+              <a:defRPr sz="1800"/>
+            </a:lvl9pPr>
+          </a:lstStyle>
           <a:p>
             <a:pPr lvl="0"/>
             <a:r>
               <a:rPr lang="en-US"/>
-              <a:t>Edit Master text styles</a:t>
+              <a:t>Click to edit Master text styles</a:t>
             </a:r>
           </a:p>
           <a:p>
@@ -1377,13 +1340,7 @@
       </p:sp>
       <p:sp>
         <p:nvSpPr>
-          <p:cNvPr id="5" name="Date Placeholder 4">
-            <a:extLst>
-              <a:ext uri="{FF2B5EF4-FFF2-40B4-BE49-F238E27FC236}">
-                <a16:creationId xmlns:a16="http://schemas.microsoft.com/office/drawing/2014/main" id="{577392D0-C257-4D27-A3A7-E1775D1E113F}"/>
-              </a:ext>
-            </a:extLst>
-          </p:cNvPr>
+          <p:cNvPr id="5" name="Date Placeholder 4"/>
           <p:cNvSpPr>
             <a:spLocks noGrp="1"/>
           </p:cNvSpPr>
@@ -1396,9 +1353,9 @@
           <a:bodyPr/>
           <a:lstStyle/>
           <a:p>
-            <a:fld id="{30177E0A-94BE-4303-9BEF-391826189345}" type="datetimeFigureOut">
+            <a:fld id="{DF428B7F-D619-024D-B115-A85C5554A4BF}" type="datetimeFigureOut">
               <a:rPr lang="en-US" smtClean="0"/>
-              <a:t>11/23/2018</a:t>
+              <a:t>11/27/2018</a:t>
             </a:fld>
             <a:endParaRPr lang="en-US"/>
           </a:p>
@@ -1406,13 +1363,7 @@
       </p:sp>
       <p:sp>
         <p:nvSpPr>
-          <p:cNvPr id="6" name="Footer Placeholder 5">
-            <a:extLst>
-              <a:ext uri="{FF2B5EF4-FFF2-40B4-BE49-F238E27FC236}">
-                <a16:creationId xmlns:a16="http://schemas.microsoft.com/office/drawing/2014/main" id="{2844AF43-AC9A-471A-B4B3-48E8BDD2A914}"/>
-              </a:ext>
-            </a:extLst>
-          </p:cNvPr>
+          <p:cNvPr id="6" name="Footer Placeholder 5"/>
           <p:cNvSpPr>
             <a:spLocks noGrp="1"/>
           </p:cNvSpPr>
@@ -1431,13 +1382,7 @@
       </p:sp>
       <p:sp>
         <p:nvSpPr>
-          <p:cNvPr id="7" name="Slide Number Placeholder 6">
-            <a:extLst>
-              <a:ext uri="{FF2B5EF4-FFF2-40B4-BE49-F238E27FC236}">
-                <a16:creationId xmlns:a16="http://schemas.microsoft.com/office/drawing/2014/main" id="{09D91562-FA3E-4592-B095-0EA7D104EF63}"/>
-              </a:ext>
-            </a:extLst>
-          </p:cNvPr>
+          <p:cNvPr id="7" name="Slide Number Placeholder 6"/>
           <p:cNvSpPr>
             <a:spLocks noGrp="1"/>
           </p:cNvSpPr>
@@ -1450,7 +1395,7 @@
           <a:bodyPr/>
           <a:lstStyle/>
           <a:p>
-            <a:fld id="{28C0110B-0C91-41B5-931D-C6FAD25D7ABE}" type="slidenum">
+            <a:fld id="{026D1680-6DF1-0C40-BBC9-E0C727109CE1}" type="slidenum">
               <a:rPr lang="en-US" smtClean="0"/>
               <a:t>‹#›</a:t>
             </a:fld>
@@ -1461,7 +1406,7 @@
     </p:spTree>
     <p:extLst>
       <p:ext uri="{BB962C8B-B14F-4D97-AF65-F5344CB8AC3E}">
-        <p14:creationId xmlns:p14="http://schemas.microsoft.com/office/powerpoint/2010/main" val="2673961858"/>
+        <p14:creationId xmlns:p14="http://schemas.microsoft.com/office/powerpoint/2010/main" val="210898981"/>
       </p:ext>
     </p:extLst>
   </p:cSld>
@@ -1490,57 +1435,44 @@
       </p:grpSpPr>
       <p:sp>
         <p:nvSpPr>
-          <p:cNvPr id="2" name="Title 1">
-            <a:extLst>
-              <a:ext uri="{FF2B5EF4-FFF2-40B4-BE49-F238E27FC236}">
-                <a16:creationId xmlns:a16="http://schemas.microsoft.com/office/drawing/2014/main" id="{EA940189-874C-4C09-8E03-B561EA805C72}"/>
-              </a:ext>
-            </a:extLst>
-          </p:cNvPr>
+          <p:cNvPr id="2" name="Title 1"/>
           <p:cNvSpPr>
             <a:spLocks noGrp="1"/>
           </p:cNvSpPr>
           <p:nvPr>
             <p:ph type="title"/>
+          </p:nvPr>
+        </p:nvSpPr>
+        <p:spPr/>
+        <p:txBody>
+          <a:bodyPr/>
+          <a:lstStyle>
+            <a:lvl1pPr>
+              <a:defRPr/>
+            </a:lvl1pPr>
+          </a:lstStyle>
+          <a:p>
+            <a:r>
+              <a:rPr lang="en-US"/>
+              <a:t>Click to edit Master title style</a:t>
+            </a:r>
+          </a:p>
+        </p:txBody>
+      </p:sp>
+      <p:sp>
+        <p:nvSpPr>
+          <p:cNvPr id="3" name="Text Placeholder 2"/>
+          <p:cNvSpPr>
+            <a:spLocks noGrp="1"/>
+          </p:cNvSpPr>
+          <p:nvPr>
+            <p:ph type="body" idx="1"/>
           </p:nvPr>
         </p:nvSpPr>
         <p:spPr>
           <a:xfrm>
-            <a:off x="839788" y="365125"/>
-            <a:ext cx="10515600" cy="1325563"/>
-          </a:xfrm>
-        </p:spPr>
-        <p:txBody>
-          <a:bodyPr/>
-          <a:lstStyle/>
-          <a:p>
-            <a:r>
-              <a:rPr lang="en-US"/>
-              <a:t>Click to edit Master title style</a:t>
-            </a:r>
-          </a:p>
-        </p:txBody>
-      </p:sp>
-      <p:sp>
-        <p:nvSpPr>
-          <p:cNvPr id="3" name="Text Placeholder 2">
-            <a:extLst>
-              <a:ext uri="{FF2B5EF4-FFF2-40B4-BE49-F238E27FC236}">
-                <a16:creationId xmlns:a16="http://schemas.microsoft.com/office/drawing/2014/main" id="{4492159A-DD35-40CF-BDA3-AF501B9AF94D}"/>
-              </a:ext>
-            </a:extLst>
-          </p:cNvPr>
-          <p:cNvSpPr>
-            <a:spLocks noGrp="1"/>
-          </p:cNvSpPr>
-          <p:nvPr>
-            <p:ph type="body" idx="1"/>
-          </p:nvPr>
-        </p:nvSpPr>
-        <p:spPr>
-          <a:xfrm>
-            <a:off x="839788" y="1681163"/>
-            <a:ext cx="5157787" cy="823912"/>
+            <a:off x="457200" y="1535113"/>
+            <a:ext cx="4040188" cy="639762"/>
           </a:xfrm>
         </p:spPr>
         <p:txBody>
@@ -1587,20 +1519,14 @@
             <a:pPr lvl="0"/>
             <a:r>
               <a:rPr lang="en-US"/>
-              <a:t>Edit Master text styles</a:t>
-            </a:r>
-          </a:p>
-        </p:txBody>
-      </p:sp>
-      <p:sp>
-        <p:nvSpPr>
-          <p:cNvPr id="4" name="Content Placeholder 3">
-            <a:extLst>
-              <a:ext uri="{FF2B5EF4-FFF2-40B4-BE49-F238E27FC236}">
-                <a16:creationId xmlns:a16="http://schemas.microsoft.com/office/drawing/2014/main" id="{A933AF4E-D62C-45FC-9B50-BD203213F5C7}"/>
-              </a:ext>
-            </a:extLst>
-          </p:cNvPr>
+              <a:t>Click to edit Master text styles</a:t>
+            </a:r>
+          </a:p>
+        </p:txBody>
+      </p:sp>
+      <p:sp>
+        <p:nvSpPr>
+          <p:cNvPr id="4" name="Content Placeholder 3"/>
           <p:cNvSpPr>
             <a:spLocks noGrp="1"/>
           </p:cNvSpPr>
@@ -1610,18 +1536,46 @@
         </p:nvSpPr>
         <p:spPr>
           <a:xfrm>
-            <a:off x="839788" y="2505075"/>
-            <a:ext cx="5157787" cy="3684588"/>
+            <a:off x="457200" y="2174875"/>
+            <a:ext cx="4040188" cy="3951288"/>
           </a:xfrm>
         </p:spPr>
         <p:txBody>
           <a:bodyPr/>
-          <a:lstStyle/>
+          <a:lstStyle>
+            <a:lvl1pPr>
+              <a:defRPr sz="2400"/>
+            </a:lvl1pPr>
+            <a:lvl2pPr>
+              <a:defRPr sz="2000"/>
+            </a:lvl2pPr>
+            <a:lvl3pPr>
+              <a:defRPr sz="1800"/>
+            </a:lvl3pPr>
+            <a:lvl4pPr>
+              <a:defRPr sz="1600"/>
+            </a:lvl4pPr>
+            <a:lvl5pPr>
+              <a:defRPr sz="1600"/>
+            </a:lvl5pPr>
+            <a:lvl6pPr>
+              <a:defRPr sz="1600"/>
+            </a:lvl6pPr>
+            <a:lvl7pPr>
+              <a:defRPr sz="1600"/>
+            </a:lvl7pPr>
+            <a:lvl8pPr>
+              <a:defRPr sz="1600"/>
+            </a:lvl8pPr>
+            <a:lvl9pPr>
+              <a:defRPr sz="1600"/>
+            </a:lvl9pPr>
+          </a:lstStyle>
           <a:p>
             <a:pPr lvl="0"/>
             <a:r>
               <a:rPr lang="en-US"/>
-              <a:t>Edit Master text styles</a:t>
+              <a:t>Click to edit Master text styles</a:t>
             </a:r>
           </a:p>
           <a:p>
@@ -1656,13 +1610,7 @@
       </p:sp>
       <p:sp>
         <p:nvSpPr>
-          <p:cNvPr id="5" name="Text Placeholder 4">
-            <a:extLst>
-              <a:ext uri="{FF2B5EF4-FFF2-40B4-BE49-F238E27FC236}">
-                <a16:creationId xmlns:a16="http://schemas.microsoft.com/office/drawing/2014/main" id="{F67885DB-358E-45B2-B583-4947FC13D707}"/>
-              </a:ext>
-            </a:extLst>
-          </p:cNvPr>
+          <p:cNvPr id="5" name="Text Placeholder 4"/>
           <p:cNvSpPr>
             <a:spLocks noGrp="1"/>
           </p:cNvSpPr>
@@ -1672,8 +1620,8 @@
         </p:nvSpPr>
         <p:spPr>
           <a:xfrm>
-            <a:off x="6172200" y="1681163"/>
-            <a:ext cx="5183188" cy="823912"/>
+            <a:off x="4645025" y="1535113"/>
+            <a:ext cx="4041775" cy="639762"/>
           </a:xfrm>
         </p:spPr>
         <p:txBody>
@@ -1720,20 +1668,14 @@
             <a:pPr lvl="0"/>
             <a:r>
               <a:rPr lang="en-US"/>
-              <a:t>Edit Master text styles</a:t>
-            </a:r>
-          </a:p>
-        </p:txBody>
-      </p:sp>
-      <p:sp>
-        <p:nvSpPr>
-          <p:cNvPr id="6" name="Content Placeholder 5">
-            <a:extLst>
-              <a:ext uri="{FF2B5EF4-FFF2-40B4-BE49-F238E27FC236}">
-                <a16:creationId xmlns:a16="http://schemas.microsoft.com/office/drawing/2014/main" id="{0BDE55EB-572A-4BFD-A03F-656F7E726912}"/>
-              </a:ext>
-            </a:extLst>
-          </p:cNvPr>
+              <a:t>Click to edit Master text styles</a:t>
+            </a:r>
+          </a:p>
+        </p:txBody>
+      </p:sp>
+      <p:sp>
+        <p:nvSpPr>
+          <p:cNvPr id="6" name="Content Placeholder 5"/>
           <p:cNvSpPr>
             <a:spLocks noGrp="1"/>
           </p:cNvSpPr>
@@ -1743,18 +1685,46 @@
         </p:nvSpPr>
         <p:spPr>
           <a:xfrm>
-            <a:off x="6172200" y="2505075"/>
-            <a:ext cx="5183188" cy="3684588"/>
+            <a:off x="4645025" y="2174875"/>
+            <a:ext cx="4041775" cy="3951288"/>
           </a:xfrm>
         </p:spPr>
         <p:txBody>
           <a:bodyPr/>
-          <a:lstStyle/>
+          <a:lstStyle>
+            <a:lvl1pPr>
+              <a:defRPr sz="2400"/>
+            </a:lvl1pPr>
+            <a:lvl2pPr>
+              <a:defRPr sz="2000"/>
+            </a:lvl2pPr>
+            <a:lvl3pPr>
+              <a:defRPr sz="1800"/>
+            </a:lvl3pPr>
+            <a:lvl4pPr>
+              <a:defRPr sz="1600"/>
+            </a:lvl4pPr>
+            <a:lvl5pPr>
+              <a:defRPr sz="1600"/>
+            </a:lvl5pPr>
+            <a:lvl6pPr>
+              <a:defRPr sz="1600"/>
+            </a:lvl6pPr>
+            <a:lvl7pPr>
+              <a:defRPr sz="1600"/>
+            </a:lvl7pPr>
+            <a:lvl8pPr>
+              <a:defRPr sz="1600"/>
+            </a:lvl8pPr>
+            <a:lvl9pPr>
+              <a:defRPr sz="1600"/>
+            </a:lvl9pPr>
+          </a:lstStyle>
           <a:p>
             <a:pPr lvl="0"/>
             <a:r>
               <a:rPr lang="en-US"/>
-              <a:t>Edit Master text styles</a:t>
+              <a:t>Click to edit Master text styles</a:t>
             </a:r>
           </a:p>
           <a:p>
@@ -1789,13 +1759,7 @@
       </p:sp>
       <p:sp>
         <p:nvSpPr>
-          <p:cNvPr id="7" name="Date Placeholder 6">
-            <a:extLst>
-              <a:ext uri="{FF2B5EF4-FFF2-40B4-BE49-F238E27FC236}">
-                <a16:creationId xmlns:a16="http://schemas.microsoft.com/office/drawing/2014/main" id="{DA2464EC-388B-4D29-B3B4-8DA17A015E10}"/>
-              </a:ext>
-            </a:extLst>
-          </p:cNvPr>
+          <p:cNvPr id="7" name="Date Placeholder 6"/>
           <p:cNvSpPr>
             <a:spLocks noGrp="1"/>
           </p:cNvSpPr>
@@ -1808,9 +1772,9 @@
           <a:bodyPr/>
           <a:lstStyle/>
           <a:p>
-            <a:fld id="{30177E0A-94BE-4303-9BEF-391826189345}" type="datetimeFigureOut">
+            <a:fld id="{DF428B7F-D619-024D-B115-A85C5554A4BF}" type="datetimeFigureOut">
               <a:rPr lang="en-US" smtClean="0"/>
-              <a:t>11/23/2018</a:t>
+              <a:t>11/27/2018</a:t>
             </a:fld>
             <a:endParaRPr lang="en-US"/>
           </a:p>
@@ -1818,13 +1782,7 @@
       </p:sp>
       <p:sp>
         <p:nvSpPr>
-          <p:cNvPr id="8" name="Footer Placeholder 7">
-            <a:extLst>
-              <a:ext uri="{FF2B5EF4-FFF2-40B4-BE49-F238E27FC236}">
-                <a16:creationId xmlns:a16="http://schemas.microsoft.com/office/drawing/2014/main" id="{8979D13F-8F12-45DB-9966-0364345E814C}"/>
-              </a:ext>
-            </a:extLst>
-          </p:cNvPr>
+          <p:cNvPr id="8" name="Footer Placeholder 7"/>
           <p:cNvSpPr>
             <a:spLocks noGrp="1"/>
           </p:cNvSpPr>
@@ -1843,13 +1801,7 @@
       </p:sp>
       <p:sp>
         <p:nvSpPr>
-          <p:cNvPr id="9" name="Slide Number Placeholder 8">
-            <a:extLst>
-              <a:ext uri="{FF2B5EF4-FFF2-40B4-BE49-F238E27FC236}">
-                <a16:creationId xmlns:a16="http://schemas.microsoft.com/office/drawing/2014/main" id="{CF357CC6-B370-4AA5-94B7-C34A84874932}"/>
-              </a:ext>
-            </a:extLst>
-          </p:cNvPr>
+          <p:cNvPr id="9" name="Slide Number Placeholder 8"/>
           <p:cNvSpPr>
             <a:spLocks noGrp="1"/>
           </p:cNvSpPr>
@@ -1862,7 +1814,7 @@
           <a:bodyPr/>
           <a:lstStyle/>
           <a:p>
-            <a:fld id="{28C0110B-0C91-41B5-931D-C6FAD25D7ABE}" type="slidenum">
+            <a:fld id="{026D1680-6DF1-0C40-BBC9-E0C727109CE1}" type="slidenum">
               <a:rPr lang="en-US" smtClean="0"/>
               <a:t>‹#›</a:t>
             </a:fld>
@@ -1873,7 +1825,7 @@
     </p:spTree>
     <p:extLst>
       <p:ext uri="{BB962C8B-B14F-4D97-AF65-F5344CB8AC3E}">
-        <p14:creationId xmlns:p14="http://schemas.microsoft.com/office/powerpoint/2010/main" val="4110412502"/>
+        <p14:creationId xmlns:p14="http://schemas.microsoft.com/office/powerpoint/2010/main" val="1467150059"/>
       </p:ext>
     </p:extLst>
   </p:cSld>
@@ -1902,13 +1854,7 @@
       </p:grpSpPr>
       <p:sp>
         <p:nvSpPr>
-          <p:cNvPr id="2" name="Title 1">
-            <a:extLst>
-              <a:ext uri="{FF2B5EF4-FFF2-40B4-BE49-F238E27FC236}">
-                <a16:creationId xmlns:a16="http://schemas.microsoft.com/office/drawing/2014/main" id="{84F23049-D027-4255-B9F7-D88B72B4D4A3}"/>
-              </a:ext>
-            </a:extLst>
-          </p:cNvPr>
+          <p:cNvPr id="2" name="Title 1"/>
           <p:cNvSpPr>
             <a:spLocks noGrp="1"/>
           </p:cNvSpPr>
@@ -1930,13 +1876,7 @@
       </p:sp>
       <p:sp>
         <p:nvSpPr>
-          <p:cNvPr id="3" name="Date Placeholder 2">
-            <a:extLst>
-              <a:ext uri="{FF2B5EF4-FFF2-40B4-BE49-F238E27FC236}">
-                <a16:creationId xmlns:a16="http://schemas.microsoft.com/office/drawing/2014/main" id="{A010FE33-6DBC-4F67-86B4-0A25029A4298}"/>
-              </a:ext>
-            </a:extLst>
-          </p:cNvPr>
+          <p:cNvPr id="3" name="Date Placeholder 2"/>
           <p:cNvSpPr>
             <a:spLocks noGrp="1"/>
           </p:cNvSpPr>
@@ -1949,9 +1889,9 @@
           <a:bodyPr/>
           <a:lstStyle/>
           <a:p>
-            <a:fld id="{30177E0A-94BE-4303-9BEF-391826189345}" type="datetimeFigureOut">
+            <a:fld id="{DF428B7F-D619-024D-B115-A85C5554A4BF}" type="datetimeFigureOut">
               <a:rPr lang="en-US" smtClean="0"/>
-              <a:t>11/23/2018</a:t>
+              <a:t>11/27/2018</a:t>
             </a:fld>
             <a:endParaRPr lang="en-US"/>
           </a:p>
@@ -1959,13 +1899,7 @@
       </p:sp>
       <p:sp>
         <p:nvSpPr>
-          <p:cNvPr id="4" name="Footer Placeholder 3">
-            <a:extLst>
-              <a:ext uri="{FF2B5EF4-FFF2-40B4-BE49-F238E27FC236}">
-                <a16:creationId xmlns:a16="http://schemas.microsoft.com/office/drawing/2014/main" id="{DDA2B7F7-DD0F-4599-9A85-86A8F64D72AC}"/>
-              </a:ext>
-            </a:extLst>
-          </p:cNvPr>
+          <p:cNvPr id="4" name="Footer Placeholder 3"/>
           <p:cNvSpPr>
             <a:spLocks noGrp="1"/>
           </p:cNvSpPr>
@@ -1984,13 +1918,7 @@
       </p:sp>
       <p:sp>
         <p:nvSpPr>
-          <p:cNvPr id="5" name="Slide Number Placeholder 4">
-            <a:extLst>
-              <a:ext uri="{FF2B5EF4-FFF2-40B4-BE49-F238E27FC236}">
-                <a16:creationId xmlns:a16="http://schemas.microsoft.com/office/drawing/2014/main" id="{FBE83025-73FE-449A-B619-B696E1A12B44}"/>
-              </a:ext>
-            </a:extLst>
-          </p:cNvPr>
+          <p:cNvPr id="5" name="Slide Number Placeholder 4"/>
           <p:cNvSpPr>
             <a:spLocks noGrp="1"/>
           </p:cNvSpPr>
@@ -2003,7 +1931,7 @@
           <a:bodyPr/>
           <a:lstStyle/>
           <a:p>
-            <a:fld id="{28C0110B-0C91-41B5-931D-C6FAD25D7ABE}" type="slidenum">
+            <a:fld id="{026D1680-6DF1-0C40-BBC9-E0C727109CE1}" type="slidenum">
               <a:rPr lang="en-US" smtClean="0"/>
               <a:t>‹#›</a:t>
             </a:fld>
@@ -2014,7 +1942,7 @@
     </p:spTree>
     <p:extLst>
       <p:ext uri="{BB962C8B-B14F-4D97-AF65-F5344CB8AC3E}">
-        <p14:creationId xmlns:p14="http://schemas.microsoft.com/office/powerpoint/2010/main" val="2065886093"/>
+        <p14:creationId xmlns:p14="http://schemas.microsoft.com/office/powerpoint/2010/main" val="496586945"/>
       </p:ext>
     </p:extLst>
   </p:cSld>
@@ -2043,13 +1971,7 @@
       </p:grpSpPr>
       <p:sp>
         <p:nvSpPr>
-          <p:cNvPr id="2" name="Date Placeholder 1">
-            <a:extLst>
-              <a:ext uri="{FF2B5EF4-FFF2-40B4-BE49-F238E27FC236}">
-                <a16:creationId xmlns:a16="http://schemas.microsoft.com/office/drawing/2014/main" id="{1AC1558E-0892-4B53-A6FB-3209C77D3E75}"/>
-              </a:ext>
-            </a:extLst>
-          </p:cNvPr>
+          <p:cNvPr id="2" name="Date Placeholder 1"/>
           <p:cNvSpPr>
             <a:spLocks noGrp="1"/>
           </p:cNvSpPr>
@@ -2062,9 +1984,9 @@
           <a:bodyPr/>
           <a:lstStyle/>
           <a:p>
-            <a:fld id="{30177E0A-94BE-4303-9BEF-391826189345}" type="datetimeFigureOut">
+            <a:fld id="{DF428B7F-D619-024D-B115-A85C5554A4BF}" type="datetimeFigureOut">
               <a:rPr lang="en-US" smtClean="0"/>
-              <a:t>11/23/2018</a:t>
+              <a:t>11/27/2018</a:t>
             </a:fld>
             <a:endParaRPr lang="en-US"/>
           </a:p>
@@ -2072,13 +1994,7 @@
       </p:sp>
       <p:sp>
         <p:nvSpPr>
-          <p:cNvPr id="3" name="Footer Placeholder 2">
-            <a:extLst>
-              <a:ext uri="{FF2B5EF4-FFF2-40B4-BE49-F238E27FC236}">
-                <a16:creationId xmlns:a16="http://schemas.microsoft.com/office/drawing/2014/main" id="{EF664492-2AC9-4CA5-8F46-81375949D51D}"/>
-              </a:ext>
-            </a:extLst>
-          </p:cNvPr>
+          <p:cNvPr id="3" name="Footer Placeholder 2"/>
           <p:cNvSpPr>
             <a:spLocks noGrp="1"/>
           </p:cNvSpPr>
@@ -2097,13 +2013,7 @@
       </p:sp>
       <p:sp>
         <p:nvSpPr>
-          <p:cNvPr id="4" name="Slide Number Placeholder 3">
-            <a:extLst>
-              <a:ext uri="{FF2B5EF4-FFF2-40B4-BE49-F238E27FC236}">
-                <a16:creationId xmlns:a16="http://schemas.microsoft.com/office/drawing/2014/main" id="{A109DCE4-80C0-4012-92B2-1D19DDF04EC1}"/>
-              </a:ext>
-            </a:extLst>
-          </p:cNvPr>
+          <p:cNvPr id="4" name="Slide Number Placeholder 3"/>
           <p:cNvSpPr>
             <a:spLocks noGrp="1"/>
           </p:cNvSpPr>
@@ -2116,7 +2026,7 @@
           <a:bodyPr/>
           <a:lstStyle/>
           <a:p>
-            <a:fld id="{28C0110B-0C91-41B5-931D-C6FAD25D7ABE}" type="slidenum">
+            <a:fld id="{026D1680-6DF1-0C40-BBC9-E0C727109CE1}" type="slidenum">
               <a:rPr lang="en-US" smtClean="0"/>
               <a:t>‹#›</a:t>
             </a:fld>
@@ -2127,7 +2037,7 @@
     </p:spTree>
     <p:extLst>
       <p:ext uri="{BB962C8B-B14F-4D97-AF65-F5344CB8AC3E}">
-        <p14:creationId xmlns:p14="http://schemas.microsoft.com/office/powerpoint/2010/main" val="3096474829"/>
+        <p14:creationId xmlns:p14="http://schemas.microsoft.com/office/powerpoint/2010/main" val="4004238654"/>
       </p:ext>
     </p:extLst>
   </p:cSld>
@@ -2156,13 +2066,7 @@
       </p:grpSpPr>
       <p:sp>
         <p:nvSpPr>
-          <p:cNvPr id="2" name="Title 1">
-            <a:extLst>
-              <a:ext uri="{FF2B5EF4-FFF2-40B4-BE49-F238E27FC236}">
-                <a16:creationId xmlns:a16="http://schemas.microsoft.com/office/drawing/2014/main" id="{A1C65998-7830-4BE2-B43D-A6FC39229060}"/>
-              </a:ext>
-            </a:extLst>
-          </p:cNvPr>
+          <p:cNvPr id="2" name="Title 1"/>
           <p:cNvSpPr>
             <a:spLocks noGrp="1"/>
           </p:cNvSpPr>
@@ -2172,15 +2076,15 @@
         </p:nvSpPr>
         <p:spPr>
           <a:xfrm>
-            <a:off x="839788" y="457200"/>
-            <a:ext cx="3932237" cy="1600200"/>
+            <a:off x="457200" y="273050"/>
+            <a:ext cx="3008313" cy="1162050"/>
           </a:xfrm>
         </p:spPr>
         <p:txBody>
           <a:bodyPr anchor="b"/>
           <a:lstStyle>
-            <a:lvl1pPr>
-              <a:defRPr sz="3200"/>
+            <a:lvl1pPr algn="l">
+              <a:defRPr sz="2000" b="1"/>
             </a:lvl1pPr>
           </a:lstStyle>
           <a:p>
@@ -2193,13 +2097,7 @@
       </p:sp>
       <p:sp>
         <p:nvSpPr>
-          <p:cNvPr id="3" name="Content Placeholder 2">
-            <a:extLst>
-              <a:ext uri="{FF2B5EF4-FFF2-40B4-BE49-F238E27FC236}">
-                <a16:creationId xmlns:a16="http://schemas.microsoft.com/office/drawing/2014/main" id="{E2037D0E-BF21-428D-8489-7DC49B60E966}"/>
-              </a:ext>
-            </a:extLst>
-          </p:cNvPr>
+          <p:cNvPr id="3" name="Content Placeholder 2"/>
           <p:cNvSpPr>
             <a:spLocks noGrp="1"/>
           </p:cNvSpPr>
@@ -2209,8 +2107,8 @@
         </p:nvSpPr>
         <p:spPr>
           <a:xfrm>
-            <a:off x="5183188" y="987425"/>
-            <a:ext cx="6172200" cy="4873625"/>
+            <a:off x="3575050" y="273050"/>
+            <a:ext cx="5111750" cy="5853113"/>
           </a:xfrm>
         </p:spPr>
         <p:txBody>
@@ -2248,7 +2146,7 @@
             <a:pPr lvl="0"/>
             <a:r>
               <a:rPr lang="en-US"/>
-              <a:t>Edit Master text styles</a:t>
+              <a:t>Click to edit Master text styles</a:t>
             </a:r>
           </a:p>
           <a:p>
@@ -2283,13 +2181,7 @@
       </p:sp>
       <p:sp>
         <p:nvSpPr>
-          <p:cNvPr id="4" name="Text Placeholder 3">
-            <a:extLst>
-              <a:ext uri="{FF2B5EF4-FFF2-40B4-BE49-F238E27FC236}">
-                <a16:creationId xmlns:a16="http://schemas.microsoft.com/office/drawing/2014/main" id="{F1F35CC0-EBE9-4C37-BB44-A67757B7FD23}"/>
-              </a:ext>
-            </a:extLst>
-          </p:cNvPr>
+          <p:cNvPr id="4" name="Text Placeholder 3"/>
           <p:cNvSpPr>
             <a:spLocks noGrp="1"/>
           </p:cNvSpPr>
@@ -2299,8 +2191,8 @@
         </p:nvSpPr>
         <p:spPr>
           <a:xfrm>
-            <a:off x="839788" y="2057400"/>
-            <a:ext cx="3932237" cy="3811588"/>
+            <a:off x="457200" y="1435100"/>
+            <a:ext cx="3008313" cy="4691063"/>
           </a:xfrm>
         </p:spPr>
         <p:txBody>
@@ -2308,59 +2200,53 @@
           <a:lstStyle>
             <a:lvl1pPr marL="0" indent="0">
               <a:buNone/>
-              <a:defRPr sz="1600"/>
+              <a:defRPr sz="1400"/>
             </a:lvl1pPr>
             <a:lvl2pPr marL="457200" indent="0">
               <a:buNone/>
-              <a:defRPr sz="1400"/>
+              <a:defRPr sz="1200"/>
             </a:lvl2pPr>
             <a:lvl3pPr marL="914400" indent="0">
               <a:buNone/>
-              <a:defRPr sz="1200"/>
+              <a:defRPr sz="1000"/>
             </a:lvl3pPr>
             <a:lvl4pPr marL="1371600" indent="0">
               <a:buNone/>
-              <a:defRPr sz="1000"/>
+              <a:defRPr sz="900"/>
             </a:lvl4pPr>
             <a:lvl5pPr marL="1828800" indent="0">
               <a:buNone/>
-              <a:defRPr sz="1000"/>
+              <a:defRPr sz="900"/>
             </a:lvl5pPr>
             <a:lvl6pPr marL="2286000" indent="0">
               <a:buNone/>
-              <a:defRPr sz="1000"/>
+              <a:defRPr sz="900"/>
             </a:lvl6pPr>
             <a:lvl7pPr marL="2743200" indent="0">
               <a:buNone/>
-              <a:defRPr sz="1000"/>
+              <a:defRPr sz="900"/>
             </a:lvl7pPr>
             <a:lvl8pPr marL="3200400" indent="0">
               <a:buNone/>
-              <a:defRPr sz="1000"/>
+              <a:defRPr sz="900"/>
             </a:lvl8pPr>
             <a:lvl9pPr marL="3657600" indent="0">
               <a:buNone/>
-              <a:defRPr sz="1000"/>
+              <a:defRPr sz="900"/>
             </a:lvl9pPr>
           </a:lstStyle>
           <a:p>
             <a:pPr lvl="0"/>
             <a:r>
               <a:rPr lang="en-US"/>
-              <a:t>Edit Master text styles</a:t>
-            </a:r>
-          </a:p>
-        </p:txBody>
-      </p:sp>
-      <p:sp>
-        <p:nvSpPr>
-          <p:cNvPr id="5" name="Date Placeholder 4">
-            <a:extLst>
-              <a:ext uri="{FF2B5EF4-FFF2-40B4-BE49-F238E27FC236}">
-                <a16:creationId xmlns:a16="http://schemas.microsoft.com/office/drawing/2014/main" id="{C8F21AF7-05AE-4E70-BBDE-1C291A8FC3B7}"/>
-              </a:ext>
-            </a:extLst>
-          </p:cNvPr>
+              <a:t>Click to edit Master text styles</a:t>
+            </a:r>
+          </a:p>
+        </p:txBody>
+      </p:sp>
+      <p:sp>
+        <p:nvSpPr>
+          <p:cNvPr id="5" name="Date Placeholder 4"/>
           <p:cNvSpPr>
             <a:spLocks noGrp="1"/>
           </p:cNvSpPr>
@@ -2373,9 +2259,9 @@
           <a:bodyPr/>
           <a:lstStyle/>
           <a:p>
-            <a:fld id="{30177E0A-94BE-4303-9BEF-391826189345}" type="datetimeFigureOut">
+            <a:fld id="{DF428B7F-D619-024D-B115-A85C5554A4BF}" type="datetimeFigureOut">
               <a:rPr lang="en-US" smtClean="0"/>
-              <a:t>11/23/2018</a:t>
+              <a:t>11/27/2018</a:t>
             </a:fld>
             <a:endParaRPr lang="en-US"/>
           </a:p>
@@ -2383,13 +2269,7 @@
       </p:sp>
       <p:sp>
         <p:nvSpPr>
-          <p:cNvPr id="6" name="Footer Placeholder 5">
-            <a:extLst>
-              <a:ext uri="{FF2B5EF4-FFF2-40B4-BE49-F238E27FC236}">
-                <a16:creationId xmlns:a16="http://schemas.microsoft.com/office/drawing/2014/main" id="{61D50E93-BBB0-4510-9BB0-0CFCA6FE727B}"/>
-              </a:ext>
-            </a:extLst>
-          </p:cNvPr>
+          <p:cNvPr id="6" name="Footer Placeholder 5"/>
           <p:cNvSpPr>
             <a:spLocks noGrp="1"/>
           </p:cNvSpPr>
@@ -2408,13 +2288,7 @@
       </p:sp>
       <p:sp>
         <p:nvSpPr>
-          <p:cNvPr id="7" name="Slide Number Placeholder 6">
-            <a:extLst>
-              <a:ext uri="{FF2B5EF4-FFF2-40B4-BE49-F238E27FC236}">
-                <a16:creationId xmlns:a16="http://schemas.microsoft.com/office/drawing/2014/main" id="{A330FFE9-935A-488A-922D-F6DBCA8CC2DB}"/>
-              </a:ext>
-            </a:extLst>
-          </p:cNvPr>
+          <p:cNvPr id="7" name="Slide Number Placeholder 6"/>
           <p:cNvSpPr>
             <a:spLocks noGrp="1"/>
           </p:cNvSpPr>
@@ -2427,7 +2301,7 @@
           <a:bodyPr/>
           <a:lstStyle/>
           <a:p>
-            <a:fld id="{28C0110B-0C91-41B5-931D-C6FAD25D7ABE}" type="slidenum">
+            <a:fld id="{026D1680-6DF1-0C40-BBC9-E0C727109CE1}" type="slidenum">
               <a:rPr lang="en-US" smtClean="0"/>
               <a:t>‹#›</a:t>
             </a:fld>
@@ -2438,7 +2312,7 @@
     </p:spTree>
     <p:extLst>
       <p:ext uri="{BB962C8B-B14F-4D97-AF65-F5344CB8AC3E}">
-        <p14:creationId xmlns:p14="http://schemas.microsoft.com/office/powerpoint/2010/main" val="104295368"/>
+        <p14:creationId xmlns:p14="http://schemas.microsoft.com/office/powerpoint/2010/main" val="1299838491"/>
       </p:ext>
     </p:extLst>
   </p:cSld>
@@ -2467,13 +2341,7 @@
       </p:grpSpPr>
       <p:sp>
         <p:nvSpPr>
-          <p:cNvPr id="2" name="Title 1">
-            <a:extLst>
-              <a:ext uri="{FF2B5EF4-FFF2-40B4-BE49-F238E27FC236}">
-                <a16:creationId xmlns:a16="http://schemas.microsoft.com/office/drawing/2014/main" id="{308021E5-5B12-4FD6-BB7B-5E94F5DE3333}"/>
-              </a:ext>
-            </a:extLst>
-          </p:cNvPr>
+          <p:cNvPr id="2" name="Title 1"/>
           <p:cNvSpPr>
             <a:spLocks noGrp="1"/>
           </p:cNvSpPr>
@@ -2483,15 +2351,15 @@
         </p:nvSpPr>
         <p:spPr>
           <a:xfrm>
-            <a:off x="839788" y="457200"/>
-            <a:ext cx="3932237" cy="1600200"/>
+            <a:off x="1792288" y="4800600"/>
+            <a:ext cx="5486400" cy="566738"/>
           </a:xfrm>
         </p:spPr>
         <p:txBody>
           <a:bodyPr anchor="b"/>
           <a:lstStyle>
-            <a:lvl1pPr>
-              <a:defRPr sz="3200"/>
+            <a:lvl1pPr algn="l">
+              <a:defRPr sz="2000" b="1"/>
             </a:lvl1pPr>
           </a:lstStyle>
           <a:p>
@@ -2504,13 +2372,7 @@
       </p:sp>
       <p:sp>
         <p:nvSpPr>
-          <p:cNvPr id="3" name="Picture Placeholder 2">
-            <a:extLst>
-              <a:ext uri="{FF2B5EF4-FFF2-40B4-BE49-F238E27FC236}">
-                <a16:creationId xmlns:a16="http://schemas.microsoft.com/office/drawing/2014/main" id="{44322C76-AC8B-4A63-B423-615383C2073E}"/>
-              </a:ext>
-            </a:extLst>
-          </p:cNvPr>
+          <p:cNvPr id="3" name="Picture Placeholder 2"/>
           <p:cNvSpPr>
             <a:spLocks noGrp="1"/>
           </p:cNvSpPr>
@@ -2520,8 +2382,8 @@
         </p:nvSpPr>
         <p:spPr>
           <a:xfrm>
-            <a:off x="5183188" y="987425"/>
-            <a:ext cx="6172200" cy="4873625"/>
+            <a:off x="1792288" y="612775"/>
+            <a:ext cx="5486400" cy="4114800"/>
           </a:xfrm>
         </p:spPr>
         <p:txBody>
@@ -2571,13 +2433,7 @@
       </p:sp>
       <p:sp>
         <p:nvSpPr>
-          <p:cNvPr id="4" name="Text Placeholder 3">
-            <a:extLst>
-              <a:ext uri="{FF2B5EF4-FFF2-40B4-BE49-F238E27FC236}">
-                <a16:creationId xmlns:a16="http://schemas.microsoft.com/office/drawing/2014/main" id="{A9FA0C77-9CE7-40BB-BFE4-E42464CBCE5F}"/>
-              </a:ext>
-            </a:extLst>
-          </p:cNvPr>
+          <p:cNvPr id="4" name="Text Placeholder 3"/>
           <p:cNvSpPr>
             <a:spLocks noGrp="1"/>
           </p:cNvSpPr>
@@ -2587,8 +2443,8 @@
         </p:nvSpPr>
         <p:spPr>
           <a:xfrm>
-            <a:off x="839788" y="2057400"/>
-            <a:ext cx="3932237" cy="3811588"/>
+            <a:off x="1792288" y="5367338"/>
+            <a:ext cx="5486400" cy="804862"/>
           </a:xfrm>
         </p:spPr>
         <p:txBody>
@@ -2596,59 +2452,53 @@
           <a:lstStyle>
             <a:lvl1pPr marL="0" indent="0">
               <a:buNone/>
-              <a:defRPr sz="1600"/>
+              <a:defRPr sz="1400"/>
             </a:lvl1pPr>
             <a:lvl2pPr marL="457200" indent="0">
               <a:buNone/>
-              <a:defRPr sz="1400"/>
+              <a:defRPr sz="1200"/>
             </a:lvl2pPr>
             <a:lvl3pPr marL="914400" indent="0">
               <a:buNone/>
-              <a:defRPr sz="1200"/>
+              <a:defRPr sz="1000"/>
             </a:lvl3pPr>
             <a:lvl4pPr marL="1371600" indent="0">
               <a:buNone/>
-              <a:defRPr sz="1000"/>
+              <a:defRPr sz="900"/>
             </a:lvl4pPr>
             <a:lvl5pPr marL="1828800" indent="0">
               <a:buNone/>
-              <a:defRPr sz="1000"/>
+              <a:defRPr sz="900"/>
             </a:lvl5pPr>
             <a:lvl6pPr marL="2286000" indent="0">
               <a:buNone/>
-              <a:defRPr sz="1000"/>
+              <a:defRPr sz="900"/>
             </a:lvl6pPr>
             <a:lvl7pPr marL="2743200" indent="0">
               <a:buNone/>
-              <a:defRPr sz="1000"/>
+              <a:defRPr sz="900"/>
             </a:lvl7pPr>
             <a:lvl8pPr marL="3200400" indent="0">
               <a:buNone/>
-              <a:defRPr sz="1000"/>
+              <a:defRPr sz="900"/>
             </a:lvl8pPr>
             <a:lvl9pPr marL="3657600" indent="0">
               <a:buNone/>
-              <a:defRPr sz="1000"/>
+              <a:defRPr sz="900"/>
             </a:lvl9pPr>
           </a:lstStyle>
           <a:p>
             <a:pPr lvl="0"/>
             <a:r>
               <a:rPr lang="en-US"/>
-              <a:t>Edit Master text styles</a:t>
-            </a:r>
-          </a:p>
-        </p:txBody>
-      </p:sp>
-      <p:sp>
-        <p:nvSpPr>
-          <p:cNvPr id="5" name="Date Placeholder 4">
-            <a:extLst>
-              <a:ext uri="{FF2B5EF4-FFF2-40B4-BE49-F238E27FC236}">
-                <a16:creationId xmlns:a16="http://schemas.microsoft.com/office/drawing/2014/main" id="{CBDAC7B5-F1EE-4F20-88AC-BDB8505F7977}"/>
-              </a:ext>
-            </a:extLst>
-          </p:cNvPr>
+              <a:t>Click to edit Master text styles</a:t>
+            </a:r>
+          </a:p>
+        </p:txBody>
+      </p:sp>
+      <p:sp>
+        <p:nvSpPr>
+          <p:cNvPr id="5" name="Date Placeholder 4"/>
           <p:cNvSpPr>
             <a:spLocks noGrp="1"/>
           </p:cNvSpPr>
@@ -2661,9 +2511,9 @@
           <a:bodyPr/>
           <a:lstStyle/>
           <a:p>
-            <a:fld id="{30177E0A-94BE-4303-9BEF-391826189345}" type="datetimeFigureOut">
+            <a:fld id="{DF428B7F-D619-024D-B115-A85C5554A4BF}" type="datetimeFigureOut">
               <a:rPr lang="en-US" smtClean="0"/>
-              <a:t>11/23/2018</a:t>
+              <a:t>11/27/2018</a:t>
             </a:fld>
             <a:endParaRPr lang="en-US"/>
           </a:p>
@@ -2671,13 +2521,7 @@
       </p:sp>
       <p:sp>
         <p:nvSpPr>
-          <p:cNvPr id="6" name="Footer Placeholder 5">
-            <a:extLst>
-              <a:ext uri="{FF2B5EF4-FFF2-40B4-BE49-F238E27FC236}">
-                <a16:creationId xmlns:a16="http://schemas.microsoft.com/office/drawing/2014/main" id="{3719D694-94BD-44C9-9E83-BEC906334EB7}"/>
-              </a:ext>
-            </a:extLst>
-          </p:cNvPr>
+          <p:cNvPr id="6" name="Footer Placeholder 5"/>
           <p:cNvSpPr>
             <a:spLocks noGrp="1"/>
           </p:cNvSpPr>
@@ -2696,13 +2540,7 @@
       </p:sp>
       <p:sp>
         <p:nvSpPr>
-          <p:cNvPr id="7" name="Slide Number Placeholder 6">
-            <a:extLst>
-              <a:ext uri="{FF2B5EF4-FFF2-40B4-BE49-F238E27FC236}">
-                <a16:creationId xmlns:a16="http://schemas.microsoft.com/office/drawing/2014/main" id="{E8FC9B1F-1BF8-4EE8-BCC1-7998F97CB8C3}"/>
-              </a:ext>
-            </a:extLst>
-          </p:cNvPr>
+          <p:cNvPr id="7" name="Slide Number Placeholder 6"/>
           <p:cNvSpPr>
             <a:spLocks noGrp="1"/>
           </p:cNvSpPr>
@@ -2715,7 +2553,7 @@
           <a:bodyPr/>
           <a:lstStyle/>
           <a:p>
-            <a:fld id="{28C0110B-0C91-41B5-931D-C6FAD25D7ABE}" type="slidenum">
+            <a:fld id="{026D1680-6DF1-0C40-BBC9-E0C727109CE1}" type="slidenum">
               <a:rPr lang="en-US" smtClean="0"/>
               <a:t>‹#›</a:t>
             </a:fld>
@@ -2726,7 +2564,7 @@
     </p:spTree>
     <p:extLst>
       <p:ext uri="{BB962C8B-B14F-4D97-AF65-F5344CB8AC3E}">
-        <p14:creationId xmlns:p14="http://schemas.microsoft.com/office/powerpoint/2010/main" val="3215277925"/>
+        <p14:creationId xmlns:p14="http://schemas.microsoft.com/office/powerpoint/2010/main" val="3561238223"/>
       </p:ext>
     </p:extLst>
   </p:cSld>
@@ -2760,13 +2598,7 @@
       </p:grpSpPr>
       <p:sp>
         <p:nvSpPr>
-          <p:cNvPr id="2" name="Title Placeholder 1">
-            <a:extLst>
-              <a:ext uri="{FF2B5EF4-FFF2-40B4-BE49-F238E27FC236}">
-                <a16:creationId xmlns:a16="http://schemas.microsoft.com/office/drawing/2014/main" id="{48D5E565-969D-4463-B5D7-9D5068B28E59}"/>
-              </a:ext>
-            </a:extLst>
-          </p:cNvPr>
+          <p:cNvPr id="2" name="Title Placeholder 1"/>
           <p:cNvSpPr>
             <a:spLocks noGrp="1"/>
           </p:cNvSpPr>
@@ -2776,8 +2608,8 @@
         </p:nvSpPr>
         <p:spPr>
           <a:xfrm>
-            <a:off x="838200" y="365125"/>
-            <a:ext cx="10515600" cy="1325563"/>
+            <a:off x="457200" y="274638"/>
+            <a:ext cx="8229600" cy="1143000"/>
           </a:xfrm>
           <a:prstGeom prst="rect">
             <a:avLst/>
@@ -2798,13 +2630,7 @@
       </p:sp>
       <p:sp>
         <p:nvSpPr>
-          <p:cNvPr id="3" name="Text Placeholder 2">
-            <a:extLst>
-              <a:ext uri="{FF2B5EF4-FFF2-40B4-BE49-F238E27FC236}">
-                <a16:creationId xmlns:a16="http://schemas.microsoft.com/office/drawing/2014/main" id="{BE4D96B5-C041-4D6F-89C6-BCE1559BAC6E}"/>
-              </a:ext>
-            </a:extLst>
-          </p:cNvPr>
+          <p:cNvPr id="3" name="Text Placeholder 2"/>
           <p:cNvSpPr>
             <a:spLocks noGrp="1"/>
           </p:cNvSpPr>
@@ -2814,8 +2640,8 @@
         </p:nvSpPr>
         <p:spPr>
           <a:xfrm>
-            <a:off x="838200" y="1825625"/>
-            <a:ext cx="10515600" cy="4351338"/>
+            <a:off x="457200" y="1600200"/>
+            <a:ext cx="8229600" cy="4525963"/>
           </a:xfrm>
           <a:prstGeom prst="rect">
             <a:avLst/>
@@ -2830,7 +2656,7 @@
             <a:pPr lvl="0"/>
             <a:r>
               <a:rPr lang="en-US"/>
-              <a:t>Edit Master text styles</a:t>
+              <a:t>Click to edit Master text styles</a:t>
             </a:r>
           </a:p>
           <a:p>
@@ -2865,13 +2691,7 @@
       </p:sp>
       <p:sp>
         <p:nvSpPr>
-          <p:cNvPr id="4" name="Date Placeholder 3">
-            <a:extLst>
-              <a:ext uri="{FF2B5EF4-FFF2-40B4-BE49-F238E27FC236}">
-                <a16:creationId xmlns:a16="http://schemas.microsoft.com/office/drawing/2014/main" id="{7A40498D-E221-4D84-8E30-0C51098F3B1C}"/>
-              </a:ext>
-            </a:extLst>
-          </p:cNvPr>
+          <p:cNvPr id="4" name="Date Placeholder 3"/>
           <p:cNvSpPr>
             <a:spLocks noGrp="1"/>
           </p:cNvSpPr>
@@ -2881,8 +2701,8 @@
         </p:nvSpPr>
         <p:spPr>
           <a:xfrm>
-            <a:off x="838200" y="6356350"/>
-            <a:ext cx="2743200" cy="365125"/>
+            <a:off x="457200" y="6356350"/>
+            <a:ext cx="2133600" cy="365125"/>
           </a:xfrm>
           <a:prstGeom prst="rect">
             <a:avLst/>
@@ -2902,9 +2722,9 @@
             </a:lvl1pPr>
           </a:lstStyle>
           <a:p>
-            <a:fld id="{30177E0A-94BE-4303-9BEF-391826189345}" type="datetimeFigureOut">
+            <a:fld id="{DF428B7F-D619-024D-B115-A85C5554A4BF}" type="datetimeFigureOut">
               <a:rPr lang="en-US" smtClean="0"/>
-              <a:t>11/23/2018</a:t>
+              <a:t>11/27/2018</a:t>
             </a:fld>
             <a:endParaRPr lang="en-US"/>
           </a:p>
@@ -2912,13 +2732,7 @@
       </p:sp>
       <p:sp>
         <p:nvSpPr>
-          <p:cNvPr id="5" name="Footer Placeholder 4">
-            <a:extLst>
-              <a:ext uri="{FF2B5EF4-FFF2-40B4-BE49-F238E27FC236}">
-                <a16:creationId xmlns:a16="http://schemas.microsoft.com/office/drawing/2014/main" id="{987869C8-3E94-4E93-829F-741BE90D476A}"/>
-              </a:ext>
-            </a:extLst>
-          </p:cNvPr>
+          <p:cNvPr id="5" name="Footer Placeholder 4"/>
           <p:cNvSpPr>
             <a:spLocks noGrp="1"/>
           </p:cNvSpPr>
@@ -2928,8 +2742,8 @@
         </p:nvSpPr>
         <p:spPr>
           <a:xfrm>
-            <a:off x="4038600" y="6356350"/>
-            <a:ext cx="4114800" cy="365125"/>
+            <a:off x="3124200" y="6356350"/>
+            <a:ext cx="2895600" cy="365125"/>
           </a:xfrm>
           <a:prstGeom prst="rect">
             <a:avLst/>
@@ -2955,13 +2769,7 @@
       </p:sp>
       <p:sp>
         <p:nvSpPr>
-          <p:cNvPr id="6" name="Slide Number Placeholder 5">
-            <a:extLst>
-              <a:ext uri="{FF2B5EF4-FFF2-40B4-BE49-F238E27FC236}">
-                <a16:creationId xmlns:a16="http://schemas.microsoft.com/office/drawing/2014/main" id="{4BAE7515-0E02-4CB2-98C7-ABCC9BCBB360}"/>
-              </a:ext>
-            </a:extLst>
-          </p:cNvPr>
+          <p:cNvPr id="6" name="Slide Number Placeholder 5"/>
           <p:cNvSpPr>
             <a:spLocks noGrp="1"/>
           </p:cNvSpPr>
@@ -2971,8 +2779,8 @@
         </p:nvSpPr>
         <p:spPr>
           <a:xfrm>
-            <a:off x="8610600" y="6356350"/>
-            <a:ext cx="2743200" cy="365125"/>
+            <a:off x="6553200" y="6356350"/>
+            <a:ext cx="2133600" cy="365125"/>
           </a:xfrm>
           <a:prstGeom prst="rect">
             <a:avLst/>
@@ -2992,7 +2800,7 @@
             </a:lvl1pPr>
           </a:lstStyle>
           <a:p>
-            <a:fld id="{28C0110B-0C91-41B5-931D-C6FAD25D7ABE}" type="slidenum">
+            <a:fld id="{026D1680-6DF1-0C40-BBC9-E0C727109CE1}" type="slidenum">
               <a:rPr lang="en-US" smtClean="0"/>
               <a:t>‹#›</a:t>
             </a:fld>
@@ -3003,7 +2811,7 @@
     </p:spTree>
     <p:extLst>
       <p:ext uri="{BB962C8B-B14F-4D97-AF65-F5344CB8AC3E}">
-        <p14:creationId xmlns:p14="http://schemas.microsoft.com/office/powerpoint/2010/main" val="3554981798"/>
+        <p14:creationId xmlns:p14="http://schemas.microsoft.com/office/powerpoint/2010/main" val="2764865054"/>
       </p:ext>
     </p:extLst>
   </p:cSld>
@@ -3023,10 +2831,7 @@
   </p:sldLayoutIdLst>
   <p:txStyles>
     <p:titleStyle>
-      <a:lvl1pPr algn="l" defTabSz="914400" rtl="0" eaLnBrk="1" latinLnBrk="0" hangingPunct="1">
-        <a:lnSpc>
-          <a:spcPct val="90000"/>
-        </a:lnSpc>
+      <a:lvl1pPr algn="ctr" defTabSz="457200" rtl="0" eaLnBrk="1" latinLnBrk="0" hangingPunct="1">
         <a:spcBef>
           <a:spcPct val="0"/>
         </a:spcBef>
@@ -3042,15 +2847,27 @@
       </a:lvl1pPr>
     </p:titleStyle>
     <p:bodyStyle>
-      <a:lvl1pPr marL="228600" indent="-228600" algn="l" defTabSz="914400" rtl="0" eaLnBrk="1" latinLnBrk="0" hangingPunct="1">
-        <a:lnSpc>
-          <a:spcPct val="90000"/>
-        </a:lnSpc>
+      <a:lvl1pPr marL="342900" indent="-342900" algn="l" defTabSz="457200" rtl="0" eaLnBrk="1" latinLnBrk="0" hangingPunct="1">
         <a:spcBef>
-          <a:spcPts val="1000"/>
+          <a:spcPct val="20000"/>
         </a:spcBef>
-        <a:buFont typeface="Arial" panose="020B0604020202020204" pitchFamily="34" charset="0"/>
+        <a:buFont typeface="Arial"/>
         <a:buChar char="•"/>
+        <a:defRPr sz="3200" kern="1200">
+          <a:solidFill>
+            <a:schemeClr val="tx1"/>
+          </a:solidFill>
+          <a:latin typeface="+mn-lt"/>
+          <a:ea typeface="+mn-ea"/>
+          <a:cs typeface="+mn-cs"/>
+        </a:defRPr>
+      </a:lvl1pPr>
+      <a:lvl2pPr marL="742950" indent="-285750" algn="l" defTabSz="457200" rtl="0" eaLnBrk="1" latinLnBrk="0" hangingPunct="1">
+        <a:spcBef>
+          <a:spcPct val="20000"/>
+        </a:spcBef>
+        <a:buFont typeface="Arial"/>
+        <a:buChar char="–"/>
         <a:defRPr sz="2800" kern="1200">
           <a:solidFill>
             <a:schemeClr val="tx1"/>
@@ -3059,15 +2876,12 @@
           <a:ea typeface="+mn-ea"/>
           <a:cs typeface="+mn-cs"/>
         </a:defRPr>
-      </a:lvl1pPr>
-      <a:lvl2pPr marL="685800" indent="-228600" algn="l" defTabSz="914400" rtl="0" eaLnBrk="1" latinLnBrk="0" hangingPunct="1">
-        <a:lnSpc>
-          <a:spcPct val="90000"/>
-        </a:lnSpc>
+      </a:lvl2pPr>
+      <a:lvl3pPr marL="1143000" indent="-228600" algn="l" defTabSz="457200" rtl="0" eaLnBrk="1" latinLnBrk="0" hangingPunct="1">
         <a:spcBef>
-          <a:spcPts val="500"/>
+          <a:spcPct val="20000"/>
         </a:spcBef>
-        <a:buFont typeface="Arial" panose="020B0604020202020204" pitchFamily="34" charset="0"/>
+        <a:buFont typeface="Arial"/>
         <a:buChar char="•"/>
         <a:defRPr sz="2400" kern="1200">
           <a:solidFill>
@@ -3077,15 +2891,42 @@
           <a:ea typeface="+mn-ea"/>
           <a:cs typeface="+mn-cs"/>
         </a:defRPr>
-      </a:lvl2pPr>
-      <a:lvl3pPr marL="1143000" indent="-228600" algn="l" defTabSz="914400" rtl="0" eaLnBrk="1" latinLnBrk="0" hangingPunct="1">
-        <a:lnSpc>
-          <a:spcPct val="90000"/>
-        </a:lnSpc>
+      </a:lvl3pPr>
+      <a:lvl4pPr marL="1600200" indent="-228600" algn="l" defTabSz="457200" rtl="0" eaLnBrk="1" latinLnBrk="0" hangingPunct="1">
         <a:spcBef>
-          <a:spcPts val="500"/>
+          <a:spcPct val="20000"/>
         </a:spcBef>
-        <a:buFont typeface="Arial" panose="020B0604020202020204" pitchFamily="34" charset="0"/>
+        <a:buFont typeface="Arial"/>
+        <a:buChar char="–"/>
+        <a:defRPr sz="2000" kern="1200">
+          <a:solidFill>
+            <a:schemeClr val="tx1"/>
+          </a:solidFill>
+          <a:latin typeface="+mn-lt"/>
+          <a:ea typeface="+mn-ea"/>
+          <a:cs typeface="+mn-cs"/>
+        </a:defRPr>
+      </a:lvl4pPr>
+      <a:lvl5pPr marL="2057400" indent="-228600" algn="l" defTabSz="457200" rtl="0" eaLnBrk="1" latinLnBrk="0" hangingPunct="1">
+        <a:spcBef>
+          <a:spcPct val="20000"/>
+        </a:spcBef>
+        <a:buFont typeface="Arial"/>
+        <a:buChar char="»"/>
+        <a:defRPr sz="2000" kern="1200">
+          <a:solidFill>
+            <a:schemeClr val="tx1"/>
+          </a:solidFill>
+          <a:latin typeface="+mn-lt"/>
+          <a:ea typeface="+mn-ea"/>
+          <a:cs typeface="+mn-cs"/>
+        </a:defRPr>
+      </a:lvl5pPr>
+      <a:lvl6pPr marL="2514600" indent="-228600" algn="l" defTabSz="457200" rtl="0" eaLnBrk="1" latinLnBrk="0" hangingPunct="1">
+        <a:spcBef>
+          <a:spcPct val="20000"/>
+        </a:spcBef>
+        <a:buFont typeface="Arial"/>
         <a:buChar char="•"/>
         <a:defRPr sz="2000" kern="1200">
           <a:solidFill>
@@ -3095,71 +2936,14 @@
           <a:ea typeface="+mn-ea"/>
           <a:cs typeface="+mn-cs"/>
         </a:defRPr>
-      </a:lvl3pPr>
-      <a:lvl4pPr marL="1600200" indent="-228600" algn="l" defTabSz="914400" rtl="0" eaLnBrk="1" latinLnBrk="0" hangingPunct="1">
-        <a:lnSpc>
-          <a:spcPct val="90000"/>
-        </a:lnSpc>
+      </a:lvl6pPr>
+      <a:lvl7pPr marL="2971800" indent="-228600" algn="l" defTabSz="457200" rtl="0" eaLnBrk="1" latinLnBrk="0" hangingPunct="1">
         <a:spcBef>
-          <a:spcPts val="500"/>
+          <a:spcPct val="20000"/>
         </a:spcBef>
-        <a:buFont typeface="Arial" panose="020B0604020202020204" pitchFamily="34" charset="0"/>
+        <a:buFont typeface="Arial"/>
         <a:buChar char="•"/>
-        <a:defRPr sz="1800" kern="1200">
-          <a:solidFill>
-            <a:schemeClr val="tx1"/>
-          </a:solidFill>
-          <a:latin typeface="+mn-lt"/>
-          <a:ea typeface="+mn-ea"/>
-          <a:cs typeface="+mn-cs"/>
-        </a:defRPr>
-      </a:lvl4pPr>
-      <a:lvl5pPr marL="2057400" indent="-228600" algn="l" defTabSz="914400" rtl="0" eaLnBrk="1" latinLnBrk="0" hangingPunct="1">
-        <a:lnSpc>
-          <a:spcPct val="90000"/>
-        </a:lnSpc>
-        <a:spcBef>
-          <a:spcPts val="500"/>
-        </a:spcBef>
-        <a:buFont typeface="Arial" panose="020B0604020202020204" pitchFamily="34" charset="0"/>
-        <a:buChar char="•"/>
-        <a:defRPr sz="1800" kern="1200">
-          <a:solidFill>
-            <a:schemeClr val="tx1"/>
-          </a:solidFill>
-          <a:latin typeface="+mn-lt"/>
-          <a:ea typeface="+mn-ea"/>
-          <a:cs typeface="+mn-cs"/>
-        </a:defRPr>
-      </a:lvl5pPr>
-      <a:lvl6pPr marL="2514600" indent="-228600" algn="l" defTabSz="914400" rtl="0" eaLnBrk="1" latinLnBrk="0" hangingPunct="1">
-        <a:lnSpc>
-          <a:spcPct val="90000"/>
-        </a:lnSpc>
-        <a:spcBef>
-          <a:spcPts val="500"/>
-        </a:spcBef>
-        <a:buFont typeface="Arial" panose="020B0604020202020204" pitchFamily="34" charset="0"/>
-        <a:buChar char="•"/>
-        <a:defRPr sz="1800" kern="1200">
-          <a:solidFill>
-            <a:schemeClr val="tx1"/>
-          </a:solidFill>
-          <a:latin typeface="+mn-lt"/>
-          <a:ea typeface="+mn-ea"/>
-          <a:cs typeface="+mn-cs"/>
-        </a:defRPr>
-      </a:lvl6pPr>
-      <a:lvl7pPr marL="2971800" indent="-228600" algn="l" defTabSz="914400" rtl="0" eaLnBrk="1" latinLnBrk="0" hangingPunct="1">
-        <a:lnSpc>
-          <a:spcPct val="90000"/>
-        </a:lnSpc>
-        <a:spcBef>
-          <a:spcPts val="500"/>
-        </a:spcBef>
-        <a:buFont typeface="Arial" panose="020B0604020202020204" pitchFamily="34" charset="0"/>
-        <a:buChar char="•"/>
-        <a:defRPr sz="1800" kern="1200">
+        <a:defRPr sz="2000" kern="1200">
           <a:solidFill>
             <a:schemeClr val="tx1"/>
           </a:solidFill>
@@ -3168,16 +2952,13 @@
           <a:cs typeface="+mn-cs"/>
         </a:defRPr>
       </a:lvl7pPr>
-      <a:lvl8pPr marL="3429000" indent="-228600" algn="l" defTabSz="914400" rtl="0" eaLnBrk="1" latinLnBrk="0" hangingPunct="1">
-        <a:lnSpc>
-          <a:spcPct val="90000"/>
-        </a:lnSpc>
+      <a:lvl8pPr marL="3429000" indent="-228600" algn="l" defTabSz="457200" rtl="0" eaLnBrk="1" latinLnBrk="0" hangingPunct="1">
         <a:spcBef>
-          <a:spcPts val="500"/>
+          <a:spcPct val="20000"/>
         </a:spcBef>
-        <a:buFont typeface="Arial" panose="020B0604020202020204" pitchFamily="34" charset="0"/>
+        <a:buFont typeface="Arial"/>
         <a:buChar char="•"/>
-        <a:defRPr sz="1800" kern="1200">
+        <a:defRPr sz="2000" kern="1200">
           <a:solidFill>
             <a:schemeClr val="tx1"/>
           </a:solidFill>
@@ -3186,16 +2967,13 @@
           <a:cs typeface="+mn-cs"/>
         </a:defRPr>
       </a:lvl8pPr>
-      <a:lvl9pPr marL="3886200" indent="-228600" algn="l" defTabSz="914400" rtl="0" eaLnBrk="1" latinLnBrk="0" hangingPunct="1">
-        <a:lnSpc>
-          <a:spcPct val="90000"/>
-        </a:lnSpc>
+      <a:lvl9pPr marL="3886200" indent="-228600" algn="l" defTabSz="457200" rtl="0" eaLnBrk="1" latinLnBrk="0" hangingPunct="1">
         <a:spcBef>
-          <a:spcPts val="500"/>
+          <a:spcPct val="20000"/>
         </a:spcBef>
-        <a:buFont typeface="Arial" panose="020B0604020202020204" pitchFamily="34" charset="0"/>
+        <a:buFont typeface="Arial"/>
         <a:buChar char="•"/>
-        <a:defRPr sz="1800" kern="1200">
+        <a:defRPr sz="2000" kern="1200">
           <a:solidFill>
             <a:schemeClr val="tx1"/>
           </a:solidFill>
@@ -3209,7 +2987,7 @@
       <a:defPPr>
         <a:defRPr lang="en-US"/>
       </a:defPPr>
-      <a:lvl1pPr marL="0" algn="l" defTabSz="914400" rtl="0" eaLnBrk="1" latinLnBrk="0" hangingPunct="1">
+      <a:lvl1pPr marL="0" algn="l" defTabSz="457200" rtl="0" eaLnBrk="1" latinLnBrk="0" hangingPunct="1">
         <a:defRPr sz="1800" kern="1200">
           <a:solidFill>
             <a:schemeClr val="tx1"/>
@@ -3219,7 +2997,7 @@
           <a:cs typeface="+mn-cs"/>
         </a:defRPr>
       </a:lvl1pPr>
-      <a:lvl2pPr marL="457200" algn="l" defTabSz="914400" rtl="0" eaLnBrk="1" latinLnBrk="0" hangingPunct="1">
+      <a:lvl2pPr marL="457200" algn="l" defTabSz="457200" rtl="0" eaLnBrk="1" latinLnBrk="0" hangingPunct="1">
         <a:defRPr sz="1800" kern="1200">
           <a:solidFill>
             <a:schemeClr val="tx1"/>
@@ -3229,7 +3007,7 @@
           <a:cs typeface="+mn-cs"/>
         </a:defRPr>
       </a:lvl2pPr>
-      <a:lvl3pPr marL="914400" algn="l" defTabSz="914400" rtl="0" eaLnBrk="1" latinLnBrk="0" hangingPunct="1">
+      <a:lvl3pPr marL="914400" algn="l" defTabSz="457200" rtl="0" eaLnBrk="1" latinLnBrk="0" hangingPunct="1">
         <a:defRPr sz="1800" kern="1200">
           <a:solidFill>
             <a:schemeClr val="tx1"/>
@@ -3239,7 +3017,7 @@
           <a:cs typeface="+mn-cs"/>
         </a:defRPr>
       </a:lvl3pPr>
-      <a:lvl4pPr marL="1371600" algn="l" defTabSz="914400" rtl="0" eaLnBrk="1" latinLnBrk="0" hangingPunct="1">
+      <a:lvl4pPr marL="1371600" algn="l" defTabSz="457200" rtl="0" eaLnBrk="1" latinLnBrk="0" hangingPunct="1">
         <a:defRPr sz="1800" kern="1200">
           <a:solidFill>
             <a:schemeClr val="tx1"/>
@@ -3249,7 +3027,7 @@
           <a:cs typeface="+mn-cs"/>
         </a:defRPr>
       </a:lvl4pPr>
-      <a:lvl5pPr marL="1828800" algn="l" defTabSz="914400" rtl="0" eaLnBrk="1" latinLnBrk="0" hangingPunct="1">
+      <a:lvl5pPr marL="1828800" algn="l" defTabSz="457200" rtl="0" eaLnBrk="1" latinLnBrk="0" hangingPunct="1">
         <a:defRPr sz="1800" kern="1200">
           <a:solidFill>
             <a:schemeClr val="tx1"/>
@@ -3259,7 +3037,7 @@
           <a:cs typeface="+mn-cs"/>
         </a:defRPr>
       </a:lvl5pPr>
-      <a:lvl6pPr marL="2286000" algn="l" defTabSz="914400" rtl="0" eaLnBrk="1" latinLnBrk="0" hangingPunct="1">
+      <a:lvl6pPr marL="2286000" algn="l" defTabSz="457200" rtl="0" eaLnBrk="1" latinLnBrk="0" hangingPunct="1">
         <a:defRPr sz="1800" kern="1200">
           <a:solidFill>
             <a:schemeClr val="tx1"/>
@@ -3269,7 +3047,7 @@
           <a:cs typeface="+mn-cs"/>
         </a:defRPr>
       </a:lvl6pPr>
-      <a:lvl7pPr marL="2743200" algn="l" defTabSz="914400" rtl="0" eaLnBrk="1" latinLnBrk="0" hangingPunct="1">
+      <a:lvl7pPr marL="2743200" algn="l" defTabSz="457200" rtl="0" eaLnBrk="1" latinLnBrk="0" hangingPunct="1">
         <a:defRPr sz="1800" kern="1200">
           <a:solidFill>
             <a:schemeClr val="tx1"/>
@@ -3279,7 +3057,7 @@
           <a:cs typeface="+mn-cs"/>
         </a:defRPr>
       </a:lvl7pPr>
-      <a:lvl8pPr marL="3200400" algn="l" defTabSz="914400" rtl="0" eaLnBrk="1" latinLnBrk="0" hangingPunct="1">
+      <a:lvl8pPr marL="3200400" algn="l" defTabSz="457200" rtl="0" eaLnBrk="1" latinLnBrk="0" hangingPunct="1">
         <a:defRPr sz="1800" kern="1200">
           <a:solidFill>
             <a:schemeClr val="tx1"/>
@@ -3289,7 +3067,7 @@
           <a:cs typeface="+mn-cs"/>
         </a:defRPr>
       </a:lvl8pPr>
-      <a:lvl9pPr marL="3657600" algn="l" defTabSz="914400" rtl="0" eaLnBrk="1" latinLnBrk="0" hangingPunct="1">
+      <a:lvl9pPr marL="3657600" algn="l" defTabSz="457200" rtl="0" eaLnBrk="1" latinLnBrk="0" hangingPunct="1">
         <a:defRPr sz="1800" kern="1200">
           <a:solidFill>
             <a:schemeClr val="tx1"/>
@@ -3323,13 +3101,7 @@
       </p:grpSpPr>
       <p:sp>
         <p:nvSpPr>
-          <p:cNvPr id="2" name="Title 1">
-            <a:extLst>
-              <a:ext uri="{FF2B5EF4-FFF2-40B4-BE49-F238E27FC236}">
-                <a16:creationId xmlns:a16="http://schemas.microsoft.com/office/drawing/2014/main" id="{CCA0B90E-378C-4BF3-8183-806C39DA57D2}"/>
-              </a:ext>
-            </a:extLst>
-          </p:cNvPr>
+          <p:cNvPr id="2" name="Title 1"/>
           <p:cNvSpPr>
             <a:spLocks noGrp="1"/>
           </p:cNvSpPr>
@@ -3337,24 +3109,31 @@
             <p:ph type="ctrTitle"/>
           </p:nvPr>
         </p:nvSpPr>
-        <p:spPr/>
-        <p:txBody>
-          <a:bodyPr/>
-          <a:lstStyle/>
-          <a:p>
-            <a:endParaRPr lang="en-US"/>
-          </a:p>
-        </p:txBody>
-      </p:sp>
-      <p:sp>
-        <p:nvSpPr>
-          <p:cNvPr id="3" name="Subtitle 2">
-            <a:extLst>
-              <a:ext uri="{FF2B5EF4-FFF2-40B4-BE49-F238E27FC236}">
-                <a16:creationId xmlns:a16="http://schemas.microsoft.com/office/drawing/2014/main" id="{D7BA13B6-D348-47CD-8673-E1A59A652623}"/>
-              </a:ext>
-            </a:extLst>
-          </p:cNvPr>
+        <p:spPr>
+          <a:xfrm>
+            <a:off x="685800" y="1137003"/>
+            <a:ext cx="7772400" cy="1470025"/>
+          </a:xfrm>
+        </p:spPr>
+        <p:txBody>
+          <a:bodyPr/>
+          <a:lstStyle/>
+          <a:p>
+            <a:r>
+              <a:rPr lang="en-US" dirty="0"/>
+              <a:t>Big Hard </a:t>
+            </a:r>
+            <a:r>
+              <a:rPr lang="en-US" dirty="0" err="1"/>
+              <a:t>BookShelf</a:t>
+            </a:r>
+            <a:endParaRPr lang="en-US" dirty="0"/>
+          </a:p>
+        </p:txBody>
+      </p:sp>
+      <p:sp>
+        <p:nvSpPr>
+          <p:cNvPr id="3" name="Subtitle 2"/>
           <p:cNvSpPr>
             <a:spLocks noGrp="1"/>
           </p:cNvSpPr>
@@ -3362,19 +3141,1082 @@
             <p:ph type="subTitle" idx="1"/>
           </p:nvPr>
         </p:nvSpPr>
-        <p:spPr/>
-        <p:txBody>
-          <a:bodyPr/>
-          <a:lstStyle/>
-          <a:p>
-            <a:endParaRPr lang="en-US"/>
+        <p:spPr>
+          <a:xfrm>
+            <a:off x="1371600" y="3374673"/>
+            <a:ext cx="6400800" cy="1752600"/>
+          </a:xfrm>
+        </p:spPr>
+        <p:txBody>
+          <a:bodyPr>
+            <a:normAutofit fontScale="70000" lnSpcReduction="20000"/>
+          </a:bodyPr>
+          <a:lstStyle/>
+          <a:p>
+            <a:r>
+              <a:rPr lang="en-US" dirty="0"/>
+              <a:t>Team </a:t>
+            </a:r>
+            <a:r>
+              <a:rPr lang="en-US" dirty="0" err="1"/>
+              <a:t>Macrohard</a:t>
+            </a:r>
+            <a:r>
+              <a:rPr lang="en-US" dirty="0"/>
+              <a:t>:</a:t>
+            </a:r>
+          </a:p>
+          <a:p>
+            <a:r>
+              <a:rPr lang="en-US" dirty="0"/>
+              <a:t>Brandon Barnes</a:t>
+            </a:r>
+          </a:p>
+          <a:p>
+            <a:r>
+              <a:rPr lang="en-US" dirty="0"/>
+              <a:t>Carl Schneider</a:t>
+            </a:r>
+          </a:p>
+          <a:p>
+            <a:r>
+              <a:rPr lang="en-US" dirty="0"/>
+              <a:t>Saurabh Shah</a:t>
+            </a:r>
+          </a:p>
+          <a:p>
+            <a:r>
+              <a:rPr lang="en-US" dirty="0"/>
+              <a:t>Jack Walsh</a:t>
+            </a:r>
           </a:p>
         </p:txBody>
       </p:sp>
     </p:spTree>
     <p:extLst>
       <p:ext uri="{BB962C8B-B14F-4D97-AF65-F5344CB8AC3E}">
-        <p14:creationId xmlns:p14="http://schemas.microsoft.com/office/powerpoint/2010/main" val="603679446"/>
+        <p14:creationId xmlns:p14="http://schemas.microsoft.com/office/powerpoint/2010/main" val="4138281275"/>
+      </p:ext>
+    </p:extLst>
+  </p:cSld>
+  <p:clrMapOvr>
+    <a:masterClrMapping/>
+  </p:clrMapOvr>
+</p:sld>
+</file>
+
+<file path=ppt/slides/slide10.xml><?xml version="1.0" encoding="utf-8"?>
+<p:sld xmlns:a="http://schemas.openxmlformats.org/drawingml/2006/main" xmlns:r="http://schemas.openxmlformats.org/officeDocument/2006/relationships" xmlns:p="http://schemas.openxmlformats.org/presentationml/2006/main">
+  <p:cSld>
+    <p:spTree>
+      <p:nvGrpSpPr>
+        <p:cNvPr id="1" name=""/>
+        <p:cNvGrpSpPr/>
+        <p:nvPr/>
+      </p:nvGrpSpPr>
+      <p:grpSpPr>
+        <a:xfrm>
+          <a:off x="0" y="0"/>
+          <a:ext cx="0" cy="0"/>
+          <a:chOff x="0" y="0"/>
+          <a:chExt cx="0" cy="0"/>
+        </a:xfrm>
+      </p:grpSpPr>
+      <p:sp>
+        <p:nvSpPr>
+          <p:cNvPr id="2" name="Title 1"/>
+          <p:cNvSpPr>
+            <a:spLocks noGrp="1"/>
+          </p:cNvSpPr>
+          <p:nvPr>
+            <p:ph type="title"/>
+          </p:nvPr>
+        </p:nvSpPr>
+        <p:spPr/>
+        <p:txBody>
+          <a:bodyPr>
+            <a:normAutofit/>
+          </a:bodyPr>
+          <a:lstStyle/>
+          <a:p>
+            <a:r>
+              <a:rPr lang="en-US" dirty="0"/>
+              <a:t>Grading Criteria</a:t>
+            </a:r>
+          </a:p>
+        </p:txBody>
+      </p:sp>
+      <p:sp>
+        <p:nvSpPr>
+          <p:cNvPr id="3" name="Content Placeholder 2"/>
+          <p:cNvSpPr>
+            <a:spLocks noGrp="1"/>
+          </p:cNvSpPr>
+          <p:nvPr>
+            <p:ph idx="1"/>
+          </p:nvPr>
+        </p:nvSpPr>
+        <p:spPr/>
+        <p:txBody>
+          <a:bodyPr>
+            <a:normAutofit/>
+          </a:bodyPr>
+          <a:lstStyle/>
+          <a:p>
+            <a:r>
+              <a:rPr lang="en-US" dirty="0"/>
+              <a:t>Design pattern/Refactoring/Testing  - 20%</a:t>
+            </a:r>
+          </a:p>
+          <a:p>
+            <a:pPr lvl="1"/>
+            <a:r>
+              <a:rPr lang="en-US" dirty="0"/>
+              <a:t>Choose 2 from the above 3 topics to present</a:t>
+            </a:r>
+          </a:p>
+          <a:p>
+            <a:r>
+              <a:rPr lang="en-US" dirty="0"/>
+              <a:t>Slides and presentation </a:t>
+            </a:r>
+            <a:r>
+              <a:rPr lang="mr-IN" dirty="0"/>
+              <a:t>–</a:t>
+            </a:r>
+            <a:r>
+              <a:rPr lang="en-US" dirty="0"/>
+              <a:t> 20%</a:t>
+            </a:r>
+          </a:p>
+          <a:p>
+            <a:pPr lvl="1"/>
+            <a:r>
+              <a:rPr lang="en-US" dirty="0"/>
+              <a:t>font size (tip: at least 24 points)</a:t>
+            </a:r>
+          </a:p>
+          <a:p>
+            <a:pPr lvl="1"/>
+            <a:r>
+              <a:rPr lang="en-US" dirty="0"/>
+              <a:t>time management</a:t>
+            </a:r>
+          </a:p>
+          <a:p>
+            <a:pPr lvl="1"/>
+            <a:r>
+              <a:rPr lang="en-US" dirty="0"/>
+              <a:t>member participation (tip: each member presents some part)</a:t>
+            </a:r>
+          </a:p>
+          <a:p>
+            <a:pPr lvl="1"/>
+            <a:r>
+              <a:rPr lang="mr-IN" dirty="0"/>
+              <a:t>…</a:t>
+            </a:r>
+            <a:endParaRPr lang="en-US" dirty="0"/>
+          </a:p>
+        </p:txBody>
+      </p:sp>
+    </p:spTree>
+    <p:extLst>
+      <p:ext uri="{BB962C8B-B14F-4D97-AF65-F5344CB8AC3E}">
+        <p14:creationId xmlns:p14="http://schemas.microsoft.com/office/powerpoint/2010/main" val="1569533841"/>
+      </p:ext>
+    </p:extLst>
+  </p:cSld>
+  <p:clrMapOvr>
+    <a:masterClrMapping/>
+  </p:clrMapOvr>
+</p:sld>
+</file>
+
+<file path=ppt/slides/slide2.xml><?xml version="1.0" encoding="utf-8"?>
+<p:sld xmlns:a="http://schemas.openxmlformats.org/drawingml/2006/main" xmlns:r="http://schemas.openxmlformats.org/officeDocument/2006/relationships" xmlns:p="http://schemas.openxmlformats.org/presentationml/2006/main">
+  <p:cSld>
+    <p:spTree>
+      <p:nvGrpSpPr>
+        <p:cNvPr id="1" name=""/>
+        <p:cNvGrpSpPr/>
+        <p:nvPr/>
+      </p:nvGrpSpPr>
+      <p:grpSpPr>
+        <a:xfrm>
+          <a:off x="0" y="0"/>
+          <a:ext cx="0" cy="0"/>
+          <a:chOff x="0" y="0"/>
+          <a:chExt cx="0" cy="0"/>
+        </a:xfrm>
+      </p:grpSpPr>
+      <p:sp>
+        <p:nvSpPr>
+          <p:cNvPr id="2" name="Title 1"/>
+          <p:cNvSpPr>
+            <a:spLocks noGrp="1"/>
+          </p:cNvSpPr>
+          <p:nvPr>
+            <p:ph type="title"/>
+          </p:nvPr>
+        </p:nvSpPr>
+        <p:spPr/>
+        <p:txBody>
+          <a:bodyPr/>
+          <a:lstStyle/>
+          <a:p>
+            <a:r>
+              <a:rPr lang="en-US" dirty="0"/>
+              <a:t>Project Demo (5 min)</a:t>
+            </a:r>
+          </a:p>
+        </p:txBody>
+      </p:sp>
+      <p:sp>
+        <p:nvSpPr>
+          <p:cNvPr id="3" name="Content Placeholder 2"/>
+          <p:cNvSpPr>
+            <a:spLocks noGrp="1"/>
+          </p:cNvSpPr>
+          <p:nvPr>
+            <p:ph idx="1"/>
+          </p:nvPr>
+        </p:nvSpPr>
+        <p:spPr/>
+        <p:txBody>
+          <a:bodyPr/>
+          <a:lstStyle/>
+          <a:p>
+            <a:r>
+              <a:rPr lang="en-US" dirty="0"/>
+              <a:t>Functionality</a:t>
+            </a:r>
+          </a:p>
+          <a:p>
+            <a:pPr lvl="1"/>
+            <a:r>
+              <a:rPr lang="en-US" dirty="0"/>
+              <a:t>from basic to advanced</a:t>
+            </a:r>
+          </a:p>
+          <a:p>
+            <a:endParaRPr lang="en-US" dirty="0"/>
+          </a:p>
+        </p:txBody>
+      </p:sp>
+    </p:spTree>
+    <p:extLst>
+      <p:ext uri="{BB962C8B-B14F-4D97-AF65-F5344CB8AC3E}">
+        <p14:creationId xmlns:p14="http://schemas.microsoft.com/office/powerpoint/2010/main" val="3749126918"/>
+      </p:ext>
+    </p:extLst>
+  </p:cSld>
+  <p:clrMapOvr>
+    <a:masterClrMapping/>
+  </p:clrMapOvr>
+</p:sld>
+</file>
+
+<file path=ppt/slides/slide3.xml><?xml version="1.0" encoding="utf-8"?>
+<p:sld xmlns:a="http://schemas.openxmlformats.org/drawingml/2006/main" xmlns:r="http://schemas.openxmlformats.org/officeDocument/2006/relationships" xmlns:p="http://schemas.openxmlformats.org/presentationml/2006/main">
+  <p:cSld>
+    <p:spTree>
+      <p:nvGrpSpPr>
+        <p:cNvPr id="1" name=""/>
+        <p:cNvGrpSpPr/>
+        <p:nvPr/>
+      </p:nvGrpSpPr>
+      <p:grpSpPr>
+        <a:xfrm>
+          <a:off x="0" y="0"/>
+          <a:ext cx="0" cy="0"/>
+          <a:chOff x="0" y="0"/>
+          <a:chExt cx="0" cy="0"/>
+        </a:xfrm>
+      </p:grpSpPr>
+      <p:sp>
+        <p:nvSpPr>
+          <p:cNvPr id="2" name="Title 1"/>
+          <p:cNvSpPr>
+            <a:spLocks noGrp="1"/>
+          </p:cNvSpPr>
+          <p:nvPr>
+            <p:ph type="title"/>
+          </p:nvPr>
+        </p:nvSpPr>
+        <p:spPr/>
+        <p:txBody>
+          <a:bodyPr/>
+          <a:lstStyle/>
+          <a:p>
+            <a:r>
+              <a:rPr lang="en-US" dirty="0" err="1"/>
+              <a:t>GitHub</a:t>
+            </a:r>
+            <a:r>
+              <a:rPr lang="en-US" dirty="0"/>
+              <a:t> Demo (2 min)</a:t>
+            </a:r>
+          </a:p>
+        </p:txBody>
+      </p:sp>
+      <p:sp>
+        <p:nvSpPr>
+          <p:cNvPr id="3" name="Content Placeholder 2"/>
+          <p:cNvSpPr>
+            <a:spLocks noGrp="1"/>
+          </p:cNvSpPr>
+          <p:nvPr>
+            <p:ph idx="1"/>
+          </p:nvPr>
+        </p:nvSpPr>
+        <p:spPr/>
+        <p:txBody>
+          <a:bodyPr/>
+          <a:lstStyle/>
+          <a:p>
+            <a:r>
+              <a:rPr lang="en-US" dirty="0"/>
+              <a:t>Show “commits” and “insights” from your </a:t>
+            </a:r>
+            <a:r>
+              <a:rPr lang="en-US" dirty="0" err="1"/>
+              <a:t>GitHub</a:t>
+            </a:r>
+            <a:r>
+              <a:rPr lang="en-US" dirty="0"/>
+              <a:t> repo to demonstrate</a:t>
+            </a:r>
+          </a:p>
+          <a:p>
+            <a:pPr lvl="2"/>
+            <a:r>
+              <a:rPr lang="en-US" dirty="0"/>
+              <a:t>how often you update the project</a:t>
+            </a:r>
+          </a:p>
+          <a:p>
+            <a:pPr lvl="2"/>
+            <a:r>
+              <a:rPr lang="en-US" dirty="0"/>
+              <a:t>distribution of efforts</a:t>
+            </a:r>
+          </a:p>
+          <a:p>
+            <a:pPr lvl="2"/>
+            <a:r>
+              <a:rPr lang="en-US" dirty="0"/>
+              <a:t>have you used issues/pull request</a:t>
+            </a:r>
+          </a:p>
+          <a:p>
+            <a:pPr lvl="2"/>
+            <a:r>
+              <a:rPr lang="en-US" dirty="0"/>
+              <a:t>do you use meaningful commit messages</a:t>
+            </a:r>
+          </a:p>
+          <a:p>
+            <a:pPr lvl="2"/>
+            <a:r>
+              <a:rPr lang="mr-IN" dirty="0"/>
+              <a:t>…</a:t>
+            </a:r>
+            <a:endParaRPr lang="en-US" dirty="0"/>
+          </a:p>
+        </p:txBody>
+      </p:sp>
+    </p:spTree>
+    <p:extLst>
+      <p:ext uri="{BB962C8B-B14F-4D97-AF65-F5344CB8AC3E}">
+        <p14:creationId xmlns:p14="http://schemas.microsoft.com/office/powerpoint/2010/main" val="3977701123"/>
+      </p:ext>
+    </p:extLst>
+  </p:cSld>
+  <p:clrMapOvr>
+    <a:masterClrMapping/>
+  </p:clrMapOvr>
+</p:sld>
+</file>
+
+<file path=ppt/slides/slide4.xml><?xml version="1.0" encoding="utf-8"?>
+<p:sld xmlns:a="http://schemas.openxmlformats.org/drawingml/2006/main" xmlns:r="http://schemas.openxmlformats.org/officeDocument/2006/relationships" xmlns:p="http://schemas.openxmlformats.org/presentationml/2006/main">
+  <p:cSld>
+    <p:spTree>
+      <p:nvGrpSpPr>
+        <p:cNvPr id="1" name=""/>
+        <p:cNvGrpSpPr/>
+        <p:nvPr/>
+      </p:nvGrpSpPr>
+      <p:grpSpPr>
+        <a:xfrm>
+          <a:off x="0" y="0"/>
+          <a:ext cx="0" cy="0"/>
+          <a:chOff x="0" y="0"/>
+          <a:chExt cx="0" cy="0"/>
+        </a:xfrm>
+      </p:grpSpPr>
+      <p:sp>
+        <p:nvSpPr>
+          <p:cNvPr id="2" name="Title 1"/>
+          <p:cNvSpPr>
+            <a:spLocks noGrp="1"/>
+          </p:cNvSpPr>
+          <p:nvPr>
+            <p:ph type="title"/>
+          </p:nvPr>
+        </p:nvSpPr>
+        <p:spPr/>
+        <p:txBody>
+          <a:bodyPr/>
+          <a:lstStyle/>
+          <a:p>
+            <a:r>
+              <a:rPr lang="en-US" dirty="0"/>
+              <a:t>Team Organization (1 min)</a:t>
+            </a:r>
+          </a:p>
+        </p:txBody>
+      </p:sp>
+      <p:sp>
+        <p:nvSpPr>
+          <p:cNvPr id="3" name="Content Placeholder 2"/>
+          <p:cNvSpPr>
+            <a:spLocks noGrp="1"/>
+          </p:cNvSpPr>
+          <p:nvPr>
+            <p:ph idx="1"/>
+          </p:nvPr>
+        </p:nvSpPr>
+        <p:spPr/>
+        <p:txBody>
+          <a:bodyPr/>
+          <a:lstStyle/>
+          <a:p>
+            <a:r>
+              <a:rPr lang="en-US" dirty="0"/>
+              <a:t>Team meetings</a:t>
+            </a:r>
+          </a:p>
+          <a:p>
+            <a:pPr lvl="1"/>
+            <a:r>
+              <a:rPr lang="en-US" dirty="0"/>
+              <a:t>How often your team meet during the semester?</a:t>
+            </a:r>
+          </a:p>
+          <a:p>
+            <a:pPr lvl="1"/>
+            <a:r>
+              <a:rPr lang="en-US" dirty="0"/>
+              <a:t>What are the common ways your team members communicate with each other?</a:t>
+            </a:r>
+          </a:p>
+          <a:p>
+            <a:r>
+              <a:rPr lang="en-US" dirty="0"/>
+              <a:t>Task distribution</a:t>
+            </a:r>
+          </a:p>
+          <a:p>
+            <a:pPr lvl="1"/>
+            <a:r>
+              <a:rPr lang="en-US" dirty="0"/>
+              <a:t>How do you decide which team member(s) take on which task(s)?</a:t>
+            </a:r>
+          </a:p>
+          <a:p>
+            <a:pPr lvl="2"/>
+            <a:r>
+              <a:rPr lang="en-US" dirty="0"/>
+              <a:t>or do you always work on the same task together (e.g., pair programming)?</a:t>
+            </a:r>
+          </a:p>
+          <a:p>
+            <a:pPr lvl="1"/>
+            <a:endParaRPr lang="en-US" dirty="0"/>
+          </a:p>
+          <a:p>
+            <a:pPr lvl="1"/>
+            <a:endParaRPr lang="en-US" dirty="0"/>
+          </a:p>
+          <a:p>
+            <a:pPr lvl="1"/>
+            <a:endParaRPr lang="en-US" dirty="0"/>
+          </a:p>
+        </p:txBody>
+      </p:sp>
+    </p:spTree>
+    <p:extLst>
+      <p:ext uri="{BB962C8B-B14F-4D97-AF65-F5344CB8AC3E}">
+        <p14:creationId xmlns:p14="http://schemas.microsoft.com/office/powerpoint/2010/main" val="2529312565"/>
+      </p:ext>
+    </p:extLst>
+  </p:cSld>
+  <p:clrMapOvr>
+    <a:masterClrMapping/>
+  </p:clrMapOvr>
+</p:sld>
+</file>
+
+<file path=ppt/slides/slide5.xml><?xml version="1.0" encoding="utf-8"?>
+<p:sld xmlns:a="http://schemas.openxmlformats.org/drawingml/2006/main" xmlns:r="http://schemas.openxmlformats.org/officeDocument/2006/relationships" xmlns:p="http://schemas.openxmlformats.org/presentationml/2006/main">
+  <p:cSld>
+    <p:spTree>
+      <p:nvGrpSpPr>
+        <p:cNvPr id="1" name=""/>
+        <p:cNvGrpSpPr/>
+        <p:nvPr/>
+      </p:nvGrpSpPr>
+      <p:grpSpPr>
+        <a:xfrm>
+          <a:off x="0" y="0"/>
+          <a:ext cx="0" cy="0"/>
+          <a:chOff x="0" y="0"/>
+          <a:chExt cx="0" cy="0"/>
+        </a:xfrm>
+      </p:grpSpPr>
+      <p:sp>
+        <p:nvSpPr>
+          <p:cNvPr id="2" name="Title 1"/>
+          <p:cNvSpPr>
+            <a:spLocks noGrp="1"/>
+          </p:cNvSpPr>
+          <p:nvPr>
+            <p:ph type="title"/>
+          </p:nvPr>
+        </p:nvSpPr>
+        <p:spPr/>
+        <p:txBody>
+          <a:bodyPr>
+            <a:normAutofit fontScale="90000"/>
+          </a:bodyPr>
+          <a:lstStyle/>
+          <a:p>
+            <a:r>
+              <a:rPr lang="en-US" dirty="0"/>
+              <a:t>Coding Styles and Comments (1 min)</a:t>
+            </a:r>
+          </a:p>
+        </p:txBody>
+      </p:sp>
+      <p:sp>
+        <p:nvSpPr>
+          <p:cNvPr id="3" name="Content Placeholder 2"/>
+          <p:cNvSpPr>
+            <a:spLocks noGrp="1"/>
+          </p:cNvSpPr>
+          <p:nvPr>
+            <p:ph idx="1"/>
+          </p:nvPr>
+        </p:nvSpPr>
+        <p:spPr/>
+        <p:txBody>
+          <a:bodyPr/>
+          <a:lstStyle/>
+          <a:p>
+            <a:r>
+              <a:rPr lang="en-US" dirty="0"/>
+              <a:t>Does your team follow specific code convention?</a:t>
+            </a:r>
+          </a:p>
+          <a:p>
+            <a:r>
+              <a:rPr lang="en-US" dirty="0"/>
+              <a:t>How often do you put comment in your code?</a:t>
+            </a:r>
+          </a:p>
+          <a:p>
+            <a:pPr lvl="1"/>
+            <a:r>
+              <a:rPr lang="en-US" dirty="0"/>
+              <a:t>do you have comments for (almost) all methods?</a:t>
+            </a:r>
+          </a:p>
+          <a:p>
+            <a:pPr lvl="1"/>
+            <a:r>
+              <a:rPr lang="en-US" dirty="0"/>
+              <a:t>do you comment some statements?</a:t>
+            </a:r>
+          </a:p>
+          <a:p>
+            <a:pPr lvl="1"/>
+            <a:r>
+              <a:rPr lang="en-US" dirty="0"/>
+              <a:t>do you write comments for classes?</a:t>
+            </a:r>
+          </a:p>
+          <a:p>
+            <a:r>
+              <a:rPr lang="en-US" dirty="0"/>
+              <a:t>Showcase (screenshot) a non-trivial method implementation and its comments</a:t>
+            </a:r>
+          </a:p>
+        </p:txBody>
+      </p:sp>
+      <p:sp>
+        <p:nvSpPr>
+          <p:cNvPr id="5" name="TextBox 4"/>
+          <p:cNvSpPr txBox="1"/>
+          <p:nvPr/>
+        </p:nvSpPr>
+        <p:spPr>
+          <a:xfrm>
+            <a:off x="3006426" y="5866928"/>
+            <a:ext cx="5632186" cy="923330"/>
+          </a:xfrm>
+          <a:prstGeom prst="rect">
+            <a:avLst/>
+          </a:prstGeom>
+          <a:noFill/>
+        </p:spPr>
+        <p:txBody>
+          <a:bodyPr wrap="square" rtlCol="0">
+            <a:spAutoFit/>
+          </a:bodyPr>
+          <a:lstStyle/>
+          <a:p>
+            <a:r>
+              <a:rPr lang="en-US" dirty="0">
+                <a:solidFill>
+                  <a:schemeClr val="bg1">
+                    <a:lumMod val="50000"/>
+                  </a:schemeClr>
+                </a:solidFill>
+              </a:rPr>
+              <a:t>Note: the contents can be more flexible from this slide on. The goal is to connect what you learned (especially the related topic off class) with the project.</a:t>
+            </a:r>
+          </a:p>
+        </p:txBody>
+      </p:sp>
+    </p:spTree>
+    <p:extLst>
+      <p:ext uri="{BB962C8B-B14F-4D97-AF65-F5344CB8AC3E}">
+        <p14:creationId xmlns:p14="http://schemas.microsoft.com/office/powerpoint/2010/main" val="4086951530"/>
+      </p:ext>
+    </p:extLst>
+  </p:cSld>
+  <p:clrMapOvr>
+    <a:masterClrMapping/>
+  </p:clrMapOvr>
+</p:sld>
+</file>
+
+<file path=ppt/slides/slide6.xml><?xml version="1.0" encoding="utf-8"?>
+<p:sld xmlns:a="http://schemas.openxmlformats.org/drawingml/2006/main" xmlns:r="http://schemas.openxmlformats.org/officeDocument/2006/relationships" xmlns:p="http://schemas.openxmlformats.org/presentationml/2006/main">
+  <p:cSld>
+    <p:spTree>
+      <p:nvGrpSpPr>
+        <p:cNvPr id="1" name=""/>
+        <p:cNvGrpSpPr/>
+        <p:nvPr/>
+      </p:nvGrpSpPr>
+      <p:grpSpPr>
+        <a:xfrm>
+          <a:off x="0" y="0"/>
+          <a:ext cx="0" cy="0"/>
+          <a:chOff x="0" y="0"/>
+          <a:chExt cx="0" cy="0"/>
+        </a:xfrm>
+      </p:grpSpPr>
+      <p:sp>
+        <p:nvSpPr>
+          <p:cNvPr id="2" name="Title 1"/>
+          <p:cNvSpPr>
+            <a:spLocks noGrp="1"/>
+          </p:cNvSpPr>
+          <p:nvPr>
+            <p:ph type="title"/>
+          </p:nvPr>
+        </p:nvSpPr>
+        <p:spPr/>
+        <p:txBody>
+          <a:bodyPr/>
+          <a:lstStyle/>
+          <a:p>
+            <a:r>
+              <a:rPr lang="en-US" dirty="0"/>
+              <a:t>Design Pattern (1 min)</a:t>
+            </a:r>
+          </a:p>
+        </p:txBody>
+      </p:sp>
+      <p:sp>
+        <p:nvSpPr>
+          <p:cNvPr id="3" name="Content Placeholder 2"/>
+          <p:cNvSpPr>
+            <a:spLocks noGrp="1"/>
+          </p:cNvSpPr>
+          <p:nvPr>
+            <p:ph idx="1"/>
+          </p:nvPr>
+        </p:nvSpPr>
+        <p:spPr/>
+        <p:txBody>
+          <a:bodyPr/>
+          <a:lstStyle/>
+          <a:p>
+            <a:r>
+              <a:rPr lang="en-US" dirty="0"/>
+              <a:t>Identify and show a design pattern you used in your code</a:t>
+            </a:r>
+          </a:p>
+          <a:p>
+            <a:endParaRPr lang="en-US" dirty="0"/>
+          </a:p>
+        </p:txBody>
+      </p:sp>
+    </p:spTree>
+    <p:extLst>
+      <p:ext uri="{BB962C8B-B14F-4D97-AF65-F5344CB8AC3E}">
+        <p14:creationId xmlns:p14="http://schemas.microsoft.com/office/powerpoint/2010/main" val="2352323539"/>
+      </p:ext>
+    </p:extLst>
+  </p:cSld>
+  <p:clrMapOvr>
+    <a:masterClrMapping/>
+  </p:clrMapOvr>
+</p:sld>
+</file>
+
+<file path=ppt/slides/slide7.xml><?xml version="1.0" encoding="utf-8"?>
+<p:sld xmlns:a="http://schemas.openxmlformats.org/drawingml/2006/main" xmlns:r="http://schemas.openxmlformats.org/officeDocument/2006/relationships" xmlns:p="http://schemas.openxmlformats.org/presentationml/2006/main">
+  <p:cSld>
+    <p:spTree>
+      <p:nvGrpSpPr>
+        <p:cNvPr id="1" name=""/>
+        <p:cNvGrpSpPr/>
+        <p:nvPr/>
+      </p:nvGrpSpPr>
+      <p:grpSpPr>
+        <a:xfrm>
+          <a:off x="0" y="0"/>
+          <a:ext cx="0" cy="0"/>
+          <a:chOff x="0" y="0"/>
+          <a:chExt cx="0" cy="0"/>
+        </a:xfrm>
+      </p:grpSpPr>
+      <p:sp>
+        <p:nvSpPr>
+          <p:cNvPr id="2" name="Title 1"/>
+          <p:cNvSpPr>
+            <a:spLocks noGrp="1"/>
+          </p:cNvSpPr>
+          <p:nvPr>
+            <p:ph type="title"/>
+          </p:nvPr>
+        </p:nvSpPr>
+        <p:spPr/>
+        <p:txBody>
+          <a:bodyPr/>
+          <a:lstStyle/>
+          <a:p>
+            <a:r>
+              <a:rPr lang="en-US" dirty="0"/>
+              <a:t>Refactoring (1 min)</a:t>
+            </a:r>
+          </a:p>
+        </p:txBody>
+      </p:sp>
+      <p:sp>
+        <p:nvSpPr>
+          <p:cNvPr id="3" name="Content Placeholder 2"/>
+          <p:cNvSpPr>
+            <a:spLocks noGrp="1"/>
+          </p:cNvSpPr>
+          <p:nvPr>
+            <p:ph idx="1"/>
+          </p:nvPr>
+        </p:nvSpPr>
+        <p:spPr/>
+        <p:txBody>
+          <a:bodyPr/>
+          <a:lstStyle/>
+          <a:p>
+            <a:r>
+              <a:rPr lang="en-US" dirty="0"/>
+              <a:t>Showcase (screenshot) one refactoring you did during implementation</a:t>
+            </a:r>
+          </a:p>
+          <a:p>
+            <a:pPr lvl="1"/>
+            <a:r>
+              <a:rPr lang="en-US" dirty="0"/>
+              <a:t>better to show the diff from your </a:t>
+            </a:r>
+            <a:r>
+              <a:rPr lang="en-US" dirty="0" err="1"/>
+              <a:t>GitHub</a:t>
+            </a:r>
+            <a:r>
+              <a:rPr lang="en-US" dirty="0"/>
+              <a:t> commit history</a:t>
+            </a:r>
+          </a:p>
+        </p:txBody>
+      </p:sp>
+    </p:spTree>
+    <p:extLst>
+      <p:ext uri="{BB962C8B-B14F-4D97-AF65-F5344CB8AC3E}">
+        <p14:creationId xmlns:p14="http://schemas.microsoft.com/office/powerpoint/2010/main" val="2340916668"/>
+      </p:ext>
+    </p:extLst>
+  </p:cSld>
+  <p:clrMapOvr>
+    <a:masterClrMapping/>
+  </p:clrMapOvr>
+</p:sld>
+</file>
+
+<file path=ppt/slides/slide8.xml><?xml version="1.0" encoding="utf-8"?>
+<p:sld xmlns:a="http://schemas.openxmlformats.org/drawingml/2006/main" xmlns:r="http://schemas.openxmlformats.org/officeDocument/2006/relationships" xmlns:p="http://schemas.openxmlformats.org/presentationml/2006/main">
+  <p:cSld>
+    <p:spTree>
+      <p:nvGrpSpPr>
+        <p:cNvPr id="1" name=""/>
+        <p:cNvGrpSpPr/>
+        <p:nvPr/>
+      </p:nvGrpSpPr>
+      <p:grpSpPr>
+        <a:xfrm>
+          <a:off x="0" y="0"/>
+          <a:ext cx="0" cy="0"/>
+          <a:chOff x="0" y="0"/>
+          <a:chExt cx="0" cy="0"/>
+        </a:xfrm>
+      </p:grpSpPr>
+      <p:sp>
+        <p:nvSpPr>
+          <p:cNvPr id="2" name="Title 1"/>
+          <p:cNvSpPr>
+            <a:spLocks noGrp="1"/>
+          </p:cNvSpPr>
+          <p:nvPr>
+            <p:ph type="title"/>
+          </p:nvPr>
+        </p:nvSpPr>
+        <p:spPr/>
+        <p:txBody>
+          <a:bodyPr/>
+          <a:lstStyle/>
+          <a:p>
+            <a:r>
+              <a:rPr lang="en-US" dirty="0"/>
+              <a:t>Testing (1 min)</a:t>
+            </a:r>
+          </a:p>
+        </p:txBody>
+      </p:sp>
+      <p:sp>
+        <p:nvSpPr>
+          <p:cNvPr id="3" name="Content Placeholder 2"/>
+          <p:cNvSpPr>
+            <a:spLocks noGrp="1"/>
+          </p:cNvSpPr>
+          <p:nvPr>
+            <p:ph idx="1"/>
+          </p:nvPr>
+        </p:nvSpPr>
+        <p:spPr/>
+        <p:txBody>
+          <a:bodyPr/>
+          <a:lstStyle/>
+          <a:p>
+            <a:r>
+              <a:rPr lang="en-US" dirty="0"/>
+              <a:t>Showcase (screenshot</a:t>
+            </a:r>
+            <a:r>
+              <a:rPr lang="en-US"/>
+              <a:t>) test </a:t>
+            </a:r>
+            <a:r>
+              <a:rPr lang="en-US" dirty="0"/>
+              <a:t>cases you wrote for a method</a:t>
+            </a:r>
+          </a:p>
+        </p:txBody>
+      </p:sp>
+    </p:spTree>
+    <p:extLst>
+      <p:ext uri="{BB962C8B-B14F-4D97-AF65-F5344CB8AC3E}">
+        <p14:creationId xmlns:p14="http://schemas.microsoft.com/office/powerpoint/2010/main" val="4070026832"/>
+      </p:ext>
+    </p:extLst>
+  </p:cSld>
+  <p:clrMapOvr>
+    <a:masterClrMapping/>
+  </p:clrMapOvr>
+</p:sld>
+</file>
+
+<file path=ppt/slides/slide9.xml><?xml version="1.0" encoding="utf-8"?>
+<p:sld xmlns:a="http://schemas.openxmlformats.org/drawingml/2006/main" xmlns:r="http://schemas.openxmlformats.org/officeDocument/2006/relationships" xmlns:p="http://schemas.openxmlformats.org/presentationml/2006/main">
+  <p:cSld>
+    <p:spTree>
+      <p:nvGrpSpPr>
+        <p:cNvPr id="1" name=""/>
+        <p:cNvGrpSpPr/>
+        <p:nvPr/>
+      </p:nvGrpSpPr>
+      <p:grpSpPr>
+        <a:xfrm>
+          <a:off x="0" y="0"/>
+          <a:ext cx="0" cy="0"/>
+          <a:chOff x="0" y="0"/>
+          <a:chExt cx="0" cy="0"/>
+        </a:xfrm>
+      </p:grpSpPr>
+      <p:sp>
+        <p:nvSpPr>
+          <p:cNvPr id="2" name="Title 1"/>
+          <p:cNvSpPr>
+            <a:spLocks noGrp="1"/>
+          </p:cNvSpPr>
+          <p:nvPr>
+            <p:ph type="title"/>
+          </p:nvPr>
+        </p:nvSpPr>
+        <p:spPr/>
+        <p:txBody>
+          <a:bodyPr>
+            <a:normAutofit/>
+          </a:bodyPr>
+          <a:lstStyle/>
+          <a:p>
+            <a:r>
+              <a:rPr lang="en-US" dirty="0"/>
+              <a:t>Grading Criteria</a:t>
+            </a:r>
+          </a:p>
+        </p:txBody>
+      </p:sp>
+      <p:sp>
+        <p:nvSpPr>
+          <p:cNvPr id="3" name="Content Placeholder 2"/>
+          <p:cNvSpPr>
+            <a:spLocks noGrp="1"/>
+          </p:cNvSpPr>
+          <p:nvPr>
+            <p:ph idx="1"/>
+          </p:nvPr>
+        </p:nvSpPr>
+        <p:spPr/>
+        <p:txBody>
+          <a:bodyPr>
+            <a:normAutofit/>
+          </a:bodyPr>
+          <a:lstStyle/>
+          <a:p>
+            <a:r>
+              <a:rPr lang="en-US" dirty="0"/>
+              <a:t>Demo </a:t>
+            </a:r>
+            <a:r>
+              <a:rPr lang="mr-IN" dirty="0"/>
+              <a:t>–</a:t>
+            </a:r>
+            <a:r>
+              <a:rPr lang="en-US" dirty="0"/>
+              <a:t> 35%</a:t>
+            </a:r>
+          </a:p>
+          <a:p>
+            <a:pPr lvl="1"/>
+            <a:r>
+              <a:rPr lang="en-US" dirty="0"/>
+              <a:t>basic functionality (e.g., send/receive messages for messaging app) </a:t>
+            </a:r>
+            <a:r>
+              <a:rPr lang="mr-IN" dirty="0"/>
+              <a:t>–</a:t>
+            </a:r>
+            <a:r>
+              <a:rPr lang="en-US" dirty="0"/>
+              <a:t> 20%</a:t>
+            </a:r>
+          </a:p>
+          <a:p>
+            <a:pPr lvl="1"/>
+            <a:r>
+              <a:rPr lang="en-US" dirty="0"/>
+              <a:t>other functionality </a:t>
+            </a:r>
+            <a:r>
+              <a:rPr lang="mr-IN" dirty="0"/>
+              <a:t>–</a:t>
+            </a:r>
+            <a:r>
+              <a:rPr lang="en-US" dirty="0"/>
+              <a:t> 10%</a:t>
+            </a:r>
+          </a:p>
+          <a:p>
+            <a:pPr lvl="1"/>
+            <a:r>
+              <a:rPr lang="en-US" dirty="0"/>
+              <a:t>advanced features/corner cases </a:t>
+            </a:r>
+            <a:r>
+              <a:rPr lang="mr-IN" dirty="0"/>
+              <a:t>–</a:t>
+            </a:r>
+            <a:r>
+              <a:rPr lang="en-US" dirty="0"/>
+              <a:t> 5%</a:t>
+            </a:r>
+          </a:p>
+          <a:p>
+            <a:r>
+              <a:rPr lang="en-US" dirty="0" err="1"/>
+              <a:t>Github</a:t>
+            </a:r>
+            <a:r>
+              <a:rPr lang="en-US" dirty="0"/>
+              <a:t> and team organization </a:t>
+            </a:r>
+            <a:r>
+              <a:rPr lang="mr-IN" dirty="0"/>
+              <a:t>–</a:t>
+            </a:r>
+            <a:r>
+              <a:rPr lang="en-US" dirty="0"/>
+              <a:t> 25%</a:t>
+            </a:r>
+          </a:p>
+          <a:p>
+            <a:pPr lvl="1"/>
+            <a:r>
+              <a:rPr lang="en-US" dirty="0" err="1"/>
+              <a:t>github</a:t>
+            </a:r>
+            <a:r>
+              <a:rPr lang="en-US" dirty="0"/>
+              <a:t> usage/contribution - 15%</a:t>
+            </a:r>
+          </a:p>
+          <a:p>
+            <a:pPr lvl="1"/>
+            <a:r>
+              <a:rPr lang="en-US" dirty="0"/>
+              <a:t>team organization </a:t>
+            </a:r>
+            <a:r>
+              <a:rPr lang="mr-IN" dirty="0"/>
+              <a:t>–</a:t>
+            </a:r>
+            <a:r>
+              <a:rPr lang="en-US" dirty="0"/>
+              <a:t> 10%</a:t>
+            </a:r>
+          </a:p>
+        </p:txBody>
+      </p:sp>
+    </p:spTree>
+    <p:extLst>
+      <p:ext uri="{BB962C8B-B14F-4D97-AF65-F5344CB8AC3E}">
+        <p14:creationId xmlns:p14="http://schemas.microsoft.com/office/powerpoint/2010/main" val="3631592327"/>
       </p:ext>
     </p:extLst>
   </p:cSld>
@@ -3395,44 +4237,44 @@
         <a:sysClr val="window" lastClr="FFFFFF"/>
       </a:lt1>
       <a:dk2>
-        <a:srgbClr val="44546A"/>
+        <a:srgbClr val="1F497D"/>
       </a:dk2>
       <a:lt2>
-        <a:srgbClr val="E7E6E6"/>
+        <a:srgbClr val="EEECE1"/>
       </a:lt2>
       <a:accent1>
-        <a:srgbClr val="4472C4"/>
+        <a:srgbClr val="4F81BD"/>
       </a:accent1>
       <a:accent2>
-        <a:srgbClr val="ED7D31"/>
+        <a:srgbClr val="C0504D"/>
       </a:accent2>
       <a:accent3>
-        <a:srgbClr val="A5A5A5"/>
+        <a:srgbClr val="9BBB59"/>
       </a:accent3>
       <a:accent4>
-        <a:srgbClr val="FFC000"/>
+        <a:srgbClr val="8064A2"/>
       </a:accent4>
       <a:accent5>
-        <a:srgbClr val="5B9BD5"/>
+        <a:srgbClr val="4BACC6"/>
       </a:accent5>
       <a:accent6>
-        <a:srgbClr val="70AD47"/>
+        <a:srgbClr val="F79646"/>
       </a:accent6>
       <a:hlink>
-        <a:srgbClr val="0563C1"/>
+        <a:srgbClr val="0000FF"/>
       </a:hlink>
       <a:folHlink>
-        <a:srgbClr val="954F72"/>
+        <a:srgbClr val="800080"/>
       </a:folHlink>
     </a:clrScheme>
     <a:fontScheme name="Office">
       <a:majorFont>
-        <a:latin typeface="Calibri Light" panose="020F0302020204030204"/>
+        <a:latin typeface="Calibri"/>
         <a:ea typeface=""/>
         <a:cs typeface=""/>
-        <a:font script="Jpan" typeface="游ゴシック Light"/>
+        <a:font script="Jpan" typeface="ＭＳ Ｐゴシック"/>
         <a:font script="Hang" typeface="맑은 고딕"/>
-        <a:font script="Hans" typeface="等线 Light"/>
+        <a:font script="Hans" typeface="宋体"/>
         <a:font script="Hant" typeface="新細明體"/>
         <a:font script="Arab" typeface="Times New Roman"/>
         <a:font script="Hebr" typeface="Times New Roman"/>
@@ -3460,31 +4302,14 @@
         <a:font script="Viet" typeface="Times New Roman"/>
         <a:font script="Uigh" typeface="Microsoft Uighur"/>
         <a:font script="Geor" typeface="Sylfaen"/>
-        <a:font script="Armn" typeface="Arial"/>
-        <a:font script="Bugi" typeface="Leelawadee UI"/>
-        <a:font script="Bopo" typeface="Microsoft JhengHei"/>
-        <a:font script="Java" typeface="Javanese Text"/>
-        <a:font script="Lisu" typeface="Segoe UI"/>
-        <a:font script="Mymr" typeface="Myanmar Text"/>
-        <a:font script="Nkoo" typeface="Ebrima"/>
-        <a:font script="Olck" typeface="Nirmala UI"/>
-        <a:font script="Osma" typeface="Ebrima"/>
-        <a:font script="Phag" typeface="Phagspa"/>
-        <a:font script="Syrn" typeface="Estrangelo Edessa"/>
-        <a:font script="Syrj" typeface="Estrangelo Edessa"/>
-        <a:font script="Syre" typeface="Estrangelo Edessa"/>
-        <a:font script="Sora" typeface="Nirmala UI"/>
-        <a:font script="Tale" typeface="Microsoft Tai Le"/>
-        <a:font script="Talu" typeface="Microsoft New Tai Lue"/>
-        <a:font script="Tfng" typeface="Ebrima"/>
       </a:majorFont>
       <a:minorFont>
-        <a:latin typeface="Calibri" panose="020F0502020204030204"/>
+        <a:latin typeface="Calibri"/>
         <a:ea typeface=""/>
         <a:cs typeface=""/>
-        <a:font script="Jpan" typeface="游ゴシック"/>
+        <a:font script="Jpan" typeface="ＭＳ Ｐゴシック"/>
         <a:font script="Hang" typeface="맑은 고딕"/>
-        <a:font script="Hans" typeface="等线"/>
+        <a:font script="Hans" typeface="宋体"/>
         <a:font script="Hant" typeface="新細明體"/>
         <a:font script="Arab" typeface="Arial"/>
         <a:font script="Hebr" typeface="Arial"/>
@@ -3512,23 +4337,6 @@
         <a:font script="Viet" typeface="Arial"/>
         <a:font script="Uigh" typeface="Microsoft Uighur"/>
         <a:font script="Geor" typeface="Sylfaen"/>
-        <a:font script="Armn" typeface="Arial"/>
-        <a:font script="Bugi" typeface="Leelawadee UI"/>
-        <a:font script="Bopo" typeface="Microsoft JhengHei"/>
-        <a:font script="Java" typeface="Javanese Text"/>
-        <a:font script="Lisu" typeface="Segoe UI"/>
-        <a:font script="Mymr" typeface="Myanmar Text"/>
-        <a:font script="Nkoo" typeface="Ebrima"/>
-        <a:font script="Olck" typeface="Nirmala UI"/>
-        <a:font script="Osma" typeface="Ebrima"/>
-        <a:font script="Phag" typeface="Phagspa"/>
-        <a:font script="Syrn" typeface="Estrangelo Edessa"/>
-        <a:font script="Syrj" typeface="Estrangelo Edessa"/>
-        <a:font script="Syre" typeface="Estrangelo Edessa"/>
-        <a:font script="Sora" typeface="Nirmala UI"/>
-        <a:font script="Tale" typeface="Microsoft Tai Le"/>
-        <a:font script="Talu" typeface="Microsoft New Tai Lue"/>
-        <a:font script="Tfng" typeface="Ebrima"/>
       </a:minorFont>
     </a:fontScheme>
     <a:fmtScheme name="Office">
@@ -3540,141 +4348,200 @@
           <a:gsLst>
             <a:gs pos="0">
               <a:schemeClr val="phClr">
-                <a:lumMod val="110000"/>
-                <a:satMod val="105000"/>
-                <a:tint val="67000"/>
+                <a:tint val="50000"/>
+                <a:satMod val="300000"/>
               </a:schemeClr>
             </a:gs>
-            <a:gs pos="50000">
+            <a:gs pos="35000">
               <a:schemeClr val="phClr">
-                <a:lumMod val="105000"/>
-                <a:satMod val="103000"/>
-                <a:tint val="73000"/>
+                <a:tint val="37000"/>
+                <a:satMod val="300000"/>
               </a:schemeClr>
             </a:gs>
             <a:gs pos="100000">
               <a:schemeClr val="phClr">
-                <a:lumMod val="105000"/>
-                <a:satMod val="109000"/>
-                <a:tint val="81000"/>
+                <a:tint val="15000"/>
+                <a:satMod val="350000"/>
               </a:schemeClr>
             </a:gs>
           </a:gsLst>
-          <a:lin ang="5400000" scaled="0"/>
+          <a:lin ang="16200000" scaled="1"/>
         </a:gradFill>
         <a:gradFill rotWithShape="1">
           <a:gsLst>
             <a:gs pos="0">
               <a:schemeClr val="phClr">
-                <a:satMod val="103000"/>
-                <a:lumMod val="102000"/>
-                <a:tint val="94000"/>
-              </a:schemeClr>
-            </a:gs>
-            <a:gs pos="50000">
-              <a:schemeClr val="phClr">
-                <a:satMod val="110000"/>
-                <a:lumMod val="100000"/>
+                <a:tint val="100000"/>
                 <a:shade val="100000"/>
+                <a:satMod val="130000"/>
               </a:schemeClr>
             </a:gs>
             <a:gs pos="100000">
               <a:schemeClr val="phClr">
-                <a:lumMod val="99000"/>
-                <a:satMod val="120000"/>
-                <a:shade val="78000"/>
+                <a:tint val="50000"/>
+                <a:shade val="100000"/>
+                <a:satMod val="350000"/>
               </a:schemeClr>
             </a:gs>
           </a:gsLst>
-          <a:lin ang="5400000" scaled="0"/>
+          <a:lin ang="16200000" scaled="0"/>
         </a:gradFill>
       </a:fillStyleLst>
       <a:lnStyleLst>
-        <a:ln w="6350" cap="flat" cmpd="sng" algn="ctr">
+        <a:ln w="9525" cap="flat" cmpd="sng" algn="ctr">
+          <a:solidFill>
+            <a:schemeClr val="phClr">
+              <a:shade val="95000"/>
+              <a:satMod val="105000"/>
+            </a:schemeClr>
+          </a:solidFill>
+          <a:prstDash val="solid"/>
+        </a:ln>
+        <a:ln w="25400" cap="flat" cmpd="sng" algn="ctr">
           <a:solidFill>
             <a:schemeClr val="phClr"/>
           </a:solidFill>
           <a:prstDash val="solid"/>
-          <a:miter lim="800000"/>
         </a:ln>
-        <a:ln w="12700" cap="flat" cmpd="sng" algn="ctr">
+        <a:ln w="38100" cap="flat" cmpd="sng" algn="ctr">
           <a:solidFill>
             <a:schemeClr val="phClr"/>
           </a:solidFill>
           <a:prstDash val="solid"/>
-          <a:miter lim="800000"/>
-        </a:ln>
-        <a:ln w="19050" cap="flat" cmpd="sng" algn="ctr">
-          <a:solidFill>
-            <a:schemeClr val="phClr"/>
-          </a:solidFill>
-          <a:prstDash val="solid"/>
-          <a:miter lim="800000"/>
         </a:ln>
       </a:lnStyleLst>
       <a:effectStyleLst>
         <a:effectStyle>
-          <a:effectLst/>
-        </a:effectStyle>
-        <a:effectStyle>
-          <a:effectLst/>
+          <a:effectLst>
+            <a:outerShdw blurRad="40000" dist="20000" dir="5400000" rotWithShape="0">
+              <a:srgbClr val="000000">
+                <a:alpha val="38000"/>
+              </a:srgbClr>
+            </a:outerShdw>
+          </a:effectLst>
         </a:effectStyle>
         <a:effectStyle>
           <a:effectLst>
-            <a:outerShdw blurRad="57150" dist="19050" dir="5400000" algn="ctr" rotWithShape="0">
+            <a:outerShdw blurRad="40000" dist="23000" dir="5400000" rotWithShape="0">
               <a:srgbClr val="000000">
-                <a:alpha val="63000"/>
+                <a:alpha val="35000"/>
               </a:srgbClr>
             </a:outerShdw>
           </a:effectLst>
+        </a:effectStyle>
+        <a:effectStyle>
+          <a:effectLst>
+            <a:outerShdw blurRad="40000" dist="23000" dir="5400000" rotWithShape="0">
+              <a:srgbClr val="000000">
+                <a:alpha val="35000"/>
+              </a:srgbClr>
+            </a:outerShdw>
+          </a:effectLst>
+          <a:scene3d>
+            <a:camera prst="orthographicFront">
+              <a:rot lat="0" lon="0" rev="0"/>
+            </a:camera>
+            <a:lightRig rig="threePt" dir="t">
+              <a:rot lat="0" lon="0" rev="1200000"/>
+            </a:lightRig>
+          </a:scene3d>
+          <a:sp3d>
+            <a:bevelT w="63500" h="25400"/>
+          </a:sp3d>
         </a:effectStyle>
       </a:effectStyleLst>
       <a:bgFillStyleLst>
         <a:solidFill>
           <a:schemeClr val="phClr"/>
         </a:solidFill>
-        <a:solidFill>
-          <a:schemeClr val="phClr">
-            <a:tint val="95000"/>
-            <a:satMod val="170000"/>
-          </a:schemeClr>
-        </a:solidFill>
         <a:gradFill rotWithShape="1">
           <a:gsLst>
             <a:gs pos="0">
               <a:schemeClr val="phClr">
-                <a:tint val="93000"/>
-                <a:satMod val="150000"/>
-                <a:shade val="98000"/>
-                <a:lumMod val="102000"/>
+                <a:tint val="40000"/>
+                <a:satMod val="350000"/>
               </a:schemeClr>
             </a:gs>
-            <a:gs pos="50000">
+            <a:gs pos="40000">
               <a:schemeClr val="phClr">
-                <a:tint val="98000"/>
-                <a:satMod val="130000"/>
-                <a:shade val="90000"/>
-                <a:lumMod val="103000"/>
+                <a:tint val="45000"/>
+                <a:shade val="99000"/>
+                <a:satMod val="350000"/>
               </a:schemeClr>
             </a:gs>
             <a:gs pos="100000">
               <a:schemeClr val="phClr">
-                <a:shade val="63000"/>
-                <a:satMod val="120000"/>
+                <a:shade val="20000"/>
+                <a:satMod val="255000"/>
               </a:schemeClr>
             </a:gs>
           </a:gsLst>
-          <a:lin ang="5400000" scaled="0"/>
+          <a:path path="circle">
+            <a:fillToRect l="50000" t="-80000" r="50000" b="180000"/>
+          </a:path>
+        </a:gradFill>
+        <a:gradFill rotWithShape="1">
+          <a:gsLst>
+            <a:gs pos="0">
+              <a:schemeClr val="phClr">
+                <a:tint val="80000"/>
+                <a:satMod val="300000"/>
+              </a:schemeClr>
+            </a:gs>
+            <a:gs pos="100000">
+              <a:schemeClr val="phClr">
+                <a:shade val="30000"/>
+                <a:satMod val="200000"/>
+              </a:schemeClr>
+            </a:gs>
+          </a:gsLst>
+          <a:path path="circle">
+            <a:fillToRect l="50000" t="50000" r="50000" b="50000"/>
+          </a:path>
         </a:gradFill>
       </a:bgFillStyleLst>
     </a:fmtScheme>
   </a:themeElements>
-  <a:objectDefaults/>
+  <a:objectDefaults>
+    <a:spDef>
+      <a:spPr/>
+      <a:bodyPr/>
+      <a:lstStyle/>
+      <a:style>
+        <a:lnRef idx="1">
+          <a:schemeClr val="accent1"/>
+        </a:lnRef>
+        <a:fillRef idx="3">
+          <a:schemeClr val="accent1"/>
+        </a:fillRef>
+        <a:effectRef idx="2">
+          <a:schemeClr val="accent1"/>
+        </a:effectRef>
+        <a:fontRef idx="minor">
+          <a:schemeClr val="lt1"/>
+        </a:fontRef>
+      </a:style>
+    </a:spDef>
+    <a:lnDef>
+      <a:spPr/>
+      <a:bodyPr/>
+      <a:lstStyle/>
+      <a:style>
+        <a:lnRef idx="2">
+          <a:schemeClr val="accent1"/>
+        </a:lnRef>
+        <a:fillRef idx="0">
+          <a:schemeClr val="accent1"/>
+        </a:fillRef>
+        <a:effectRef idx="1">
+          <a:schemeClr val="accent1"/>
+        </a:effectRef>
+        <a:fontRef idx="minor">
+          <a:schemeClr val="tx1"/>
+        </a:fontRef>
+      </a:style>
+    </a:lnDef>
+  </a:objectDefaults>
   <a:extraClrSchemeLst/>
-  <a:extLst>
-    <a:ext uri="{05A4C25C-085E-4340-85A3-A5531E510DB2}">
-      <thm15:themeFamily xmlns:thm15="http://schemas.microsoft.com/office/thememl/2012/main" name="Office Theme" id="{62F939B6-93AF-4DB8-9C6B-D6C7DFDC589F}" vid="{4A3C46E8-61CC-4603-A589-7422A47A8E4A}"/>
-    </a:ext>
-  </a:extLst>
 </a:theme>
 </file>